--- a/nPMCore/document/nPM_N 스크린을 위한 클라우드 기반의 소셜 프로젝트 매니지먼트.pptx
+++ b/nPMCore/document/nPM_N 스크린을 위한 클라우드 기반의 소셜 프로젝트 매니지먼트.pptx
@@ -209,7 +209,7 @@
             <a:fld id="{A29BA41A-14A5-42F4-BCCD-A89545336430}" type="datetimeFigureOut">
               <a:rPr lang="ko-KR" altLang="en-US" smtClean="0"/>
               <a:pPr/>
-              <a:t>2012-10-17</a:t>
+              <a:t>2012-10-18</a:t>
             </a:fld>
             <a:endParaRPr lang="ko-KR" altLang="en-US"/>
           </a:p>
@@ -376,7 +376,7 @@
             <a:fld id="{89EBCC62-502E-406F-B77E-618D1E523333}" type="datetimeFigureOut">
               <a:rPr lang="ko-KR" altLang="en-US" smtClean="0"/>
               <a:pPr/>
-              <a:t>2012-10-17</a:t>
+              <a:t>2012-10-18</a:t>
             </a:fld>
             <a:endParaRPr lang="ko-KR" altLang="en-US"/>
           </a:p>
@@ -1112,7 +1112,7 @@
             <a:fld id="{FEA05A95-6A82-482A-BD53-A4DCD3EA60EA}" type="datetime1">
               <a:rPr lang="ko-KR" altLang="en-US" smtClean="0"/>
               <a:pPr/>
-              <a:t>2012-10-17</a:t>
+              <a:t>2012-10-18</a:t>
             </a:fld>
             <a:endParaRPr lang="ko-KR" altLang="en-US"/>
           </a:p>
@@ -1294,7 +1294,7 @@
             <a:fld id="{80E8EF57-7139-44B0-92A7-7A2AB64D63D0}" type="datetime1">
               <a:rPr lang="ko-KR" altLang="en-US" smtClean="0"/>
               <a:pPr/>
-              <a:t>2012-10-17</a:t>
+              <a:t>2012-10-18</a:t>
             </a:fld>
             <a:endParaRPr lang="ko-KR" altLang="en-US"/>
           </a:p>
@@ -1486,7 +1486,7 @@
             <a:fld id="{0281449F-4965-42C0-A7FD-95DC200E7239}" type="datetime1">
               <a:rPr lang="ko-KR" altLang="en-US" smtClean="0"/>
               <a:pPr/>
-              <a:t>2012-10-17</a:t>
+              <a:t>2012-10-18</a:t>
             </a:fld>
             <a:endParaRPr lang="ko-KR" altLang="en-US"/>
           </a:p>
@@ -1672,7 +1672,7 @@
             <a:fld id="{7FE4627A-17BA-426F-B915-6CEAACD43BB6}" type="datetime1">
               <a:rPr lang="ko-KR" altLang="en-US" smtClean="0"/>
               <a:pPr/>
-              <a:t>2012-10-17</a:t>
+              <a:t>2012-10-18</a:t>
             </a:fld>
             <a:endParaRPr lang="ko-KR" altLang="en-US"/>
           </a:p>
@@ -2139,7 +2139,7 @@
             <a:fld id="{0D2C42B9-07B4-431A-B8EA-29C13CC6C9CF}" type="datetime1">
               <a:rPr lang="ko-KR" altLang="en-US" smtClean="0"/>
               <a:pPr/>
-              <a:t>2012-10-17</a:t>
+              <a:t>2012-10-18</a:t>
             </a:fld>
             <a:endParaRPr lang="ko-KR" altLang="en-US"/>
           </a:p>
@@ -2420,7 +2420,7 @@
             <a:fld id="{AC0FAECA-0D90-4781-8985-727CE5C76457}" type="datetime1">
               <a:rPr lang="ko-KR" altLang="en-US" smtClean="0"/>
               <a:pPr/>
-              <a:t>2012-10-17</a:t>
+              <a:t>2012-10-18</a:t>
             </a:fld>
             <a:endParaRPr lang="ko-KR" altLang="en-US"/>
           </a:p>
@@ -2811,7 +2811,7 @@
             <a:fld id="{001770F6-2A61-4882-8CBF-0DC21E66E495}" type="datetime1">
               <a:rPr lang="ko-KR" altLang="en-US" smtClean="0"/>
               <a:pPr/>
-              <a:t>2012-10-17</a:t>
+              <a:t>2012-10-18</a:t>
             </a:fld>
             <a:endParaRPr lang="ko-KR" altLang="en-US"/>
           </a:p>
@@ -2950,7 +2950,7 @@
             <a:fld id="{D6A4F1E5-FD4B-4738-B74A-35799E2BA0C0}" type="datetime1">
               <a:rPr lang="ko-KR" altLang="en-US" smtClean="0"/>
               <a:pPr/>
-              <a:t>2012-10-17</a:t>
+              <a:t>2012-10-18</a:t>
             </a:fld>
             <a:endParaRPr lang="ko-KR" altLang="en-US"/>
           </a:p>
@@ -3057,7 +3057,7 @@
             <a:fld id="{A3982D16-AF67-4049-A879-B97115A6BCFA}" type="datetime1">
               <a:rPr lang="ko-KR" altLang="en-US" smtClean="0"/>
               <a:pPr/>
-              <a:t>2012-10-17</a:t>
+              <a:t>2012-10-18</a:t>
             </a:fld>
             <a:endParaRPr lang="ko-KR" altLang="en-US"/>
           </a:p>
@@ -3323,7 +3323,7 @@
             <a:fld id="{56A39CF1-DADF-4F98-AD08-3EB3C1FF487F}" type="datetime1">
               <a:rPr lang="ko-KR" altLang="en-US" smtClean="0"/>
               <a:pPr/>
-              <a:t>2012-10-17</a:t>
+              <a:t>2012-10-18</a:t>
             </a:fld>
             <a:endParaRPr lang="ko-KR" altLang="en-US"/>
           </a:p>
@@ -3599,7 +3599,7 @@
             <a:fld id="{B77589DE-F161-4324-B7A9-BA9619E8B6B4}" type="datetime1">
               <a:rPr lang="ko-KR" altLang="en-US" smtClean="0"/>
               <a:pPr/>
-              <a:t>2012-10-17</a:t>
+              <a:t>2012-10-18</a:t>
             </a:fld>
             <a:endParaRPr lang="ko-KR" altLang="en-US"/>
           </a:p>
@@ -4020,7 +4020,7 @@
             <a:fld id="{51673359-000E-45F5-B2BB-74D6EEFDB2D0}" type="datetime1">
               <a:rPr lang="ko-KR" altLang="en-US" smtClean="0"/>
               <a:pPr/>
-              <a:t>2012-10-17</a:t>
+              <a:t>2012-10-18</a:t>
             </a:fld>
             <a:endParaRPr lang="ko-KR" altLang="en-US"/>
           </a:p>
@@ -5052,35 +5052,25 @@
           </a:p>
         </p:txBody>
       </p:sp>
-      <p:pic>
-        <p:nvPicPr>
-          <p:cNvPr id="7" name="데모.wmv">
-            <a:hlinkClick r:id="" action="ppaction://media"/>
-          </p:cNvPr>
-          <p:cNvPicPr>
-            <a:picLocks noGrp="1" noRot="1" noChangeAspect="1"/>
-          </p:cNvPicPr>
+      <p:sp>
+        <p:nvSpPr>
+          <p:cNvPr id="3" name="내용 개체 틀 2"/>
+          <p:cNvSpPr>
+            <a:spLocks noGrp="1"/>
+          </p:cNvSpPr>
           <p:nvPr>
             <p:ph idx="1"/>
-            <a:videoFile r:link="rId1"/>
           </p:nvPr>
-        </p:nvPicPr>
-        <p:blipFill>
-          <a:blip r:embed="rId3" cstate="print"/>
-          <a:stretch>
-            <a:fillRect/>
-          </a:stretch>
-        </p:blipFill>
-        <p:spPr>
-          <a:xfrm>
-            <a:off x="1187624" y="1268760"/>
-            <a:ext cx="6912768" cy="5184577"/>
-          </a:xfrm>
-          <a:prstGeom prst="rect">
-            <a:avLst/>
-          </a:prstGeom>
-        </p:spPr>
-      </p:pic>
+        </p:nvSpPr>
+        <p:spPr/>
+        <p:txBody>
+          <a:bodyPr/>
+          <a:lstStyle/>
+          <a:p>
+            <a:endParaRPr lang="ko-KR" altLang="en-US"/>
+          </a:p>
+        </p:txBody>
+      </p:sp>
     </p:spTree>
   </p:cSld>
   <p:clrMapOvr>
@@ -5092,92 +5082,7 @@
   <p:timing>
     <p:tnLst>
       <p:par>
-        <p:cTn id="1" dur="indefinite" restart="never" nodeType="tmRoot">
-          <p:childTnLst>
-            <p:seq concurrent="1" nextAc="seek">
-              <p:cTn id="2" restart="whenNotActive" fill="hold" evtFilter="cancelBubble" nodeType="interactiveSeq">
-                <p:stCondLst>
-                  <p:cond evt="onClick" delay="0">
-                    <p:tgtEl>
-                      <p:spTgt spid="7"/>
-                    </p:tgtEl>
-                  </p:cond>
-                </p:stCondLst>
-                <p:endSync evt="end" delay="0">
-                  <p:rtn val="all"/>
-                </p:endSync>
-                <p:childTnLst>
-                  <p:par>
-                    <p:cTn id="3" fill="hold">
-                      <p:stCondLst>
-                        <p:cond delay="0"/>
-                      </p:stCondLst>
-                      <p:childTnLst>
-                        <p:par>
-                          <p:cTn id="4" fill="hold">
-                            <p:stCondLst>
-                              <p:cond delay="0"/>
-                            </p:stCondLst>
-                            <p:childTnLst>
-                              <p:par>
-                                <p:cTn id="5" presetID="2" presetClass="mediacall" presetSubtype="0" fill="hold" nodeType="clickEffect">
-                                  <p:stCondLst>
-                                    <p:cond delay="0"/>
-                                  </p:stCondLst>
-                                  <p:childTnLst>
-                                    <p:cmd type="call" cmd="togglePause">
-                                      <p:cBhvr>
-                                        <p:cTn id="6" dur="1" fill="hold"/>
-                                        <p:tgtEl>
-                                          <p:spTgt spid="7"/>
-                                        </p:tgtEl>
-                                      </p:cBhvr>
-                                    </p:cmd>
-                                  </p:childTnLst>
-                                </p:cTn>
-                              </p:par>
-                            </p:childTnLst>
-                          </p:cTn>
-                        </p:par>
-                      </p:childTnLst>
-                    </p:cTn>
-                  </p:par>
-                </p:childTnLst>
-              </p:cTn>
-              <p:nextCondLst>
-                <p:cond evt="onClick" delay="0">
-                  <p:tgtEl>
-                    <p:spTgt spid="7"/>
-                  </p:tgtEl>
-                </p:cond>
-              </p:nextCondLst>
-            </p:seq>
-            <p:video>
-              <p:cMediaNode>
-                <p:cTn id="7" fill="hold" display="0">
-                  <p:stCondLst>
-                    <p:cond delay="indefinite"/>
-                  </p:stCondLst>
-                  <p:endCondLst>
-                    <p:cond evt="onNext" delay="0">
-                      <p:tgtEl>
-                        <p:sldTgt/>
-                      </p:tgtEl>
-                    </p:cond>
-                    <p:cond evt="onPrev" delay="0">
-                      <p:tgtEl>
-                        <p:sldTgt/>
-                      </p:tgtEl>
-                    </p:cond>
-                  </p:endCondLst>
-                </p:cTn>
-                <p:tgtEl>
-                  <p:spTgt spid="7"/>
-                </p:tgtEl>
-              </p:cMediaNode>
-            </p:video>
-          </p:childTnLst>
-        </p:cTn>
+        <p:cTn id="1" dur="indefinite" restart="never" nodeType="tmRoot"/>
       </p:par>
     </p:tnLst>
   </p:timing>
@@ -5277,30 +5182,6 @@
               </a:rPr>
               <a:t> </a:t>
             </a:r>
-            <a:endParaRPr lang="en-US" altLang="ko-KR" sz="6600" b="1" spc="50" dirty="0" smtClean="0">
-              <a:ln w="12700" cmpd="sng">
-                <a:solidFill>
-                  <a:schemeClr val="accent6">
-                    <a:satMod val="120000"/>
-                    <a:shade val="80000"/>
-                  </a:schemeClr>
-                </a:solidFill>
-                <a:prstDash val="solid"/>
-              </a:ln>
-              <a:solidFill>
-                <a:schemeClr val="accent6">
-                  <a:tint val="1000"/>
-                </a:schemeClr>
-              </a:solidFill>
-              <a:effectLst>
-                <a:glow rad="53100">
-                  <a:schemeClr val="accent6">
-                    <a:satMod val="180000"/>
-                    <a:alpha val="30000"/>
-                  </a:schemeClr>
-                </a:glow>
-              </a:effectLst>
-            </a:endParaRPr>
           </a:p>
           <a:p>
             <a:r>
@@ -5473,96 +5354,46 @@
           </a:p>
         </p:txBody>
       </p:sp>
-      <p:grpSp>
-        <p:nvGrpSpPr>
-          <p:cNvPr id="4" name="그룹 3"/>
-          <p:cNvGrpSpPr/>
+      <p:sp>
+        <p:nvSpPr>
+          <p:cNvPr id="5" name="모서리가 둥근 직사각형 4"/>
+          <p:cNvSpPr/>
           <p:nvPr/>
-        </p:nvGrpSpPr>
-        <p:grpSpPr>
+        </p:nvSpPr>
+        <p:spPr>
           <a:xfrm>
-            <a:off x="395536" y="1556792"/>
-            <a:ext cx="7704856" cy="4176464"/>
-            <a:chOff x="395536" y="1556792"/>
-            <a:chExt cx="7704856" cy="4176464"/>
+            <a:off x="1979712" y="1556792"/>
+            <a:ext cx="4680520" cy="1944216"/>
           </a:xfrm>
-        </p:grpSpPr>
-        <p:sp>
-          <p:nvSpPr>
-            <p:cNvPr id="5" name="모서리가 둥근 직사각형 4"/>
-            <p:cNvSpPr/>
-            <p:nvPr/>
-          </p:nvSpPr>
-          <p:spPr>
-            <a:xfrm>
-              <a:off x="2555776" y="1556792"/>
-              <a:ext cx="3312368" cy="1944216"/>
-            </a:xfrm>
-            <a:prstGeom prst="roundRect">
-              <a:avLst/>
-            </a:prstGeom>
-          </p:spPr>
-          <p:style>
-            <a:lnRef idx="2">
-              <a:schemeClr val="accent5"/>
-            </a:lnRef>
-            <a:fillRef idx="1">
-              <a:schemeClr val="lt1"/>
-            </a:fillRef>
-            <a:effectRef idx="0">
-              <a:schemeClr val="accent5"/>
-            </a:effectRef>
-            <a:fontRef idx="minor">
-              <a:schemeClr val="dk1"/>
-            </a:fontRef>
-          </p:style>
-          <p:txBody>
-            <a:bodyPr rtlCol="0" anchor="ctr"/>
-            <a:lstStyle/>
-            <a:p>
-              <a:pPr algn="ctr"/>
-              <a:endParaRPr lang="en-US" altLang="ko-KR" dirty="0" smtClean="0"/>
-            </a:p>
-            <a:p>
-              <a:pPr algn="ctr"/>
-              <a:r>
-                <a:rPr lang="ko-KR" altLang="en-US" sz="2400" b="1" dirty="0" smtClean="0">
-                  <a:ln w="1905"/>
-                  <a:gradFill>
-                    <a:gsLst>
-                      <a:gs pos="0">
-                        <a:schemeClr val="accent6">
-                          <a:shade val="20000"/>
-                          <a:satMod val="200000"/>
-                        </a:schemeClr>
-                      </a:gs>
-                      <a:gs pos="78000">
-                        <a:schemeClr val="accent6">
-                          <a:tint val="90000"/>
-                          <a:shade val="89000"/>
-                          <a:satMod val="220000"/>
-                        </a:schemeClr>
-                      </a:gs>
-                      <a:gs pos="100000">
-                        <a:schemeClr val="accent6">
-                          <a:tint val="12000"/>
-                          <a:satMod val="255000"/>
-                        </a:schemeClr>
-                      </a:gs>
-                    </a:gsLst>
-                    <a:lin ang="5400000"/>
-                  </a:gradFill>
-                  <a:effectLst>
-                    <a:innerShdw blurRad="69850" dist="43180" dir="5400000">
-                      <a:srgbClr val="000000">
-                        <a:alpha val="65000"/>
-                      </a:srgbClr>
-                    </a:innerShdw>
-                  </a:effectLst>
-                </a:rPr>
-                <a:t>기능성</a:t>
-              </a:r>
-              <a:endParaRPr lang="en-US" altLang="ko-KR" sz="2400" b="1" dirty="0" smtClean="0">
+          <a:prstGeom prst="roundRect">
+            <a:avLst/>
+          </a:prstGeom>
+        </p:spPr>
+        <p:style>
+          <a:lnRef idx="2">
+            <a:schemeClr val="accent5"/>
+          </a:lnRef>
+          <a:fillRef idx="1">
+            <a:schemeClr val="lt1"/>
+          </a:fillRef>
+          <a:effectRef idx="0">
+            <a:schemeClr val="accent5"/>
+          </a:effectRef>
+          <a:fontRef idx="minor">
+            <a:schemeClr val="dk1"/>
+          </a:fontRef>
+        </p:style>
+        <p:txBody>
+          <a:bodyPr rtlCol="0" anchor="ctr"/>
+          <a:lstStyle/>
+          <a:p>
+            <a:pPr algn="ctr"/>
+            <a:endParaRPr lang="en-US" altLang="ko-KR" dirty="0" smtClean="0"/>
+          </a:p>
+          <a:p>
+            <a:pPr algn="ctr"/>
+            <a:r>
+              <a:rPr lang="ko-KR" altLang="en-US" sz="2400" b="1" dirty="0" smtClean="0">
                 <a:ln w="1905"/>
                 <a:gradFill>
                   <a:gsLst>
@@ -5595,297 +5426,188 @@
                     </a:srgbClr>
                   </a:innerShdw>
                 </a:effectLst>
-              </a:endParaRPr>
-            </a:p>
-            <a:p>
-              <a:pPr>
-                <a:buFontTx/>
-                <a:buChar char="-"/>
-              </a:pPr>
-              <a:r>
-                <a:rPr lang="ko-KR" altLang="en-US" sz="1600" dirty="0" smtClean="0"/>
-                <a:t>웹 표준 준수</a:t>
-              </a:r>
-              <a:endParaRPr lang="en-US" altLang="ko-KR" sz="1600" dirty="0" smtClean="0"/>
-            </a:p>
-            <a:p>
-              <a:pPr>
-                <a:buFontTx/>
-                <a:buChar char="-"/>
-              </a:pPr>
-              <a:r>
-                <a:rPr lang="ko-KR" altLang="en-US" sz="1600" dirty="0" smtClean="0"/>
-                <a:t>스타일</a:t>
-              </a:r>
-              <a:r>
-                <a:rPr lang="en-US" altLang="ko-KR" sz="1600" dirty="0" smtClean="0"/>
-                <a:t>/</a:t>
-              </a:r>
-              <a:r>
-                <a:rPr lang="ko-KR" altLang="en-US" sz="1600" dirty="0" smtClean="0"/>
-                <a:t>템플릿 적용</a:t>
-              </a:r>
-              <a:endParaRPr lang="en-US" altLang="ko-KR" sz="1600" dirty="0" smtClean="0"/>
-            </a:p>
-            <a:p>
-              <a:r>
-                <a:rPr lang="en-US" altLang="ko-KR" sz="1600" dirty="0" smtClean="0"/>
-                <a:t>-</a:t>
-              </a:r>
-              <a:r>
-                <a:rPr lang="ko-KR" altLang="en-US" sz="1600" dirty="0" err="1" smtClean="0"/>
-                <a:t>인텔리전스</a:t>
-              </a:r>
-              <a:r>
-                <a:rPr lang="ko-KR" altLang="en-US" sz="1600" dirty="0" smtClean="0"/>
-                <a:t> 저작 툴</a:t>
-              </a:r>
-              <a:endParaRPr lang="en-US" altLang="ko-KR" sz="1600" dirty="0" smtClean="0"/>
-            </a:p>
-            <a:p>
-              <a:r>
-                <a:rPr lang="en-US" altLang="ko-KR" sz="1600" dirty="0" smtClean="0"/>
-                <a:t>-</a:t>
-              </a:r>
-              <a:r>
-                <a:rPr lang="ko-KR" altLang="en-US" sz="1600" dirty="0" err="1" smtClean="0"/>
-                <a:t>소셜네트워킹</a:t>
-              </a:r>
-              <a:endParaRPr lang="en-US" altLang="ko-KR" sz="1600" dirty="0" smtClean="0"/>
-            </a:p>
-            <a:p>
-              <a:r>
-                <a:rPr lang="en-US" altLang="ko-KR" sz="1600" dirty="0" smtClean="0"/>
-                <a:t>-</a:t>
-              </a:r>
-              <a:r>
-                <a:rPr lang="ko-KR" altLang="en-US" sz="1600" dirty="0" smtClean="0"/>
-                <a:t>웹</a:t>
-              </a:r>
-              <a:r>
-                <a:rPr lang="en-US" altLang="ko-KR" sz="1600" dirty="0" smtClean="0"/>
-                <a:t> </a:t>
-              </a:r>
-              <a:r>
-                <a:rPr lang="ko-KR" altLang="en-US" sz="1600" dirty="0" err="1" smtClean="0"/>
-                <a:t>툴킷</a:t>
-              </a:r>
-              <a:r>
-                <a:rPr lang="en-US" altLang="ko-KR" sz="1600" dirty="0" smtClean="0"/>
-                <a:t>(</a:t>
-              </a:r>
-              <a:r>
-                <a:rPr lang="ko-KR" altLang="en-US" sz="1600" dirty="0" err="1" smtClean="0"/>
-                <a:t>모바일</a:t>
-              </a:r>
-              <a:r>
-                <a:rPr lang="ko-KR" altLang="en-US" sz="1600" dirty="0" smtClean="0"/>
-                <a:t> </a:t>
-              </a:r>
-              <a:r>
-                <a:rPr lang="ko-KR" altLang="en-US" sz="1600" dirty="0" err="1" smtClean="0"/>
-                <a:t>뷰잉</a:t>
-              </a:r>
-              <a:r>
-                <a:rPr lang="en-US" altLang="ko-KR" sz="1600" dirty="0" smtClean="0"/>
-                <a:t>) </a:t>
-              </a:r>
-            </a:p>
-            <a:p>
-              <a:endParaRPr lang="en-US" altLang="ko-KR" sz="1600" dirty="0" smtClean="0"/>
-            </a:p>
-            <a:p>
-              <a:pPr>
-                <a:buFontTx/>
-                <a:buChar char="-"/>
-              </a:pPr>
-              <a:endParaRPr lang="ko-KR" altLang="en-US" dirty="0"/>
-            </a:p>
-          </p:txBody>
-        </p:sp>
-        <p:sp>
-          <p:nvSpPr>
-            <p:cNvPr id="6" name="모서리가 둥근 직사각형 5"/>
-            <p:cNvSpPr/>
-            <p:nvPr/>
-          </p:nvSpPr>
-          <p:spPr>
-            <a:xfrm>
-              <a:off x="395536" y="3933056"/>
-              <a:ext cx="3312368" cy="1800200"/>
-            </a:xfrm>
-            <a:prstGeom prst="roundRect">
-              <a:avLst/>
-            </a:prstGeom>
-          </p:spPr>
-          <p:style>
-            <a:lnRef idx="2">
-              <a:schemeClr val="accent5"/>
-            </a:lnRef>
-            <a:fillRef idx="1">
-              <a:schemeClr val="lt1"/>
-            </a:fillRef>
-            <a:effectRef idx="0">
-              <a:schemeClr val="accent5"/>
-            </a:effectRef>
-            <a:fontRef idx="minor">
-              <a:schemeClr val="dk1"/>
-            </a:fontRef>
-          </p:style>
-          <p:txBody>
-            <a:bodyPr rtlCol="0" anchor="ctr"/>
-            <a:lstStyle/>
-            <a:p>
-              <a:pPr algn="ctr"/>
-              <a:r>
-                <a:rPr lang="ko-KR" altLang="en-US" sz="2400" b="1" dirty="0" err="1" smtClean="0">
-                  <a:ln w="1905"/>
-                  <a:gradFill>
-                    <a:gsLst>
-                      <a:gs pos="0">
-                        <a:schemeClr val="accent6">
-                          <a:shade val="20000"/>
-                          <a:satMod val="200000"/>
-                        </a:schemeClr>
-                      </a:gs>
-                      <a:gs pos="78000">
-                        <a:schemeClr val="accent6">
-                          <a:tint val="90000"/>
-                          <a:shade val="89000"/>
-                          <a:satMod val="220000"/>
-                        </a:schemeClr>
-                      </a:gs>
-                      <a:gs pos="100000">
-                        <a:schemeClr val="accent6">
-                          <a:tint val="12000"/>
-                          <a:satMod val="255000"/>
-                        </a:schemeClr>
-                      </a:gs>
-                    </a:gsLst>
-                    <a:lin ang="5400000"/>
-                  </a:gradFill>
-                  <a:effectLst>
-                    <a:innerShdw blurRad="69850" dist="43180" dir="5400000">
-                      <a:srgbClr val="000000">
-                        <a:alpha val="65000"/>
-                      </a:srgbClr>
-                    </a:innerShdw>
-                  </a:effectLst>
-                </a:rPr>
-                <a:t>접근성</a:t>
-              </a:r>
-              <a:r>
-                <a:rPr lang="ko-KR" altLang="en-US" sz="2400" b="1" dirty="0" smtClean="0">
-                  <a:ln w="1905"/>
-                  <a:gradFill>
-                    <a:gsLst>
-                      <a:gs pos="0">
-                        <a:schemeClr val="accent6">
-                          <a:shade val="20000"/>
-                          <a:satMod val="200000"/>
-                        </a:schemeClr>
-                      </a:gs>
-                      <a:gs pos="78000">
-                        <a:schemeClr val="accent6">
-                          <a:tint val="90000"/>
-                          <a:shade val="89000"/>
-                          <a:satMod val="220000"/>
-                        </a:schemeClr>
-                      </a:gs>
-                      <a:gs pos="100000">
-                        <a:schemeClr val="accent6">
-                          <a:tint val="12000"/>
-                          <a:satMod val="255000"/>
-                        </a:schemeClr>
-                      </a:gs>
-                    </a:gsLst>
-                    <a:lin ang="5400000"/>
-                  </a:gradFill>
-                  <a:effectLst>
-                    <a:innerShdw blurRad="69850" dist="43180" dir="5400000">
-                      <a:srgbClr val="000000">
-                        <a:alpha val="65000"/>
-                      </a:srgbClr>
-                    </a:innerShdw>
-                  </a:effectLst>
-                </a:rPr>
-                <a:t> </a:t>
-              </a:r>
-              <a:r>
-                <a:rPr lang="en-US" altLang="ko-KR" sz="2400" b="1" dirty="0" smtClean="0">
-                  <a:ln w="1905"/>
-                  <a:gradFill>
-                    <a:gsLst>
-                      <a:gs pos="0">
-                        <a:schemeClr val="accent6">
-                          <a:shade val="20000"/>
-                          <a:satMod val="200000"/>
-                        </a:schemeClr>
-                      </a:gs>
-                      <a:gs pos="78000">
-                        <a:schemeClr val="accent6">
-                          <a:tint val="90000"/>
-                          <a:shade val="89000"/>
-                          <a:satMod val="220000"/>
-                        </a:schemeClr>
-                      </a:gs>
-                      <a:gs pos="100000">
-                        <a:schemeClr val="accent6">
-                          <a:tint val="12000"/>
-                          <a:satMod val="255000"/>
-                        </a:schemeClr>
-                      </a:gs>
-                    </a:gsLst>
-                    <a:lin ang="5400000"/>
-                  </a:gradFill>
-                  <a:effectLst>
-                    <a:innerShdw blurRad="69850" dist="43180" dir="5400000">
-                      <a:srgbClr val="000000">
-                        <a:alpha val="65000"/>
-                      </a:srgbClr>
-                    </a:innerShdw>
-                  </a:effectLst>
-                </a:rPr>
-                <a:t>/ </a:t>
-              </a:r>
-              <a:r>
-                <a:rPr lang="ko-KR" altLang="en-US" sz="2400" b="1" dirty="0" err="1" smtClean="0">
-                  <a:ln w="1905"/>
-                  <a:gradFill>
-                    <a:gsLst>
-                      <a:gs pos="0">
-                        <a:schemeClr val="accent6">
-                          <a:shade val="20000"/>
-                          <a:satMod val="200000"/>
-                        </a:schemeClr>
-                      </a:gs>
-                      <a:gs pos="78000">
-                        <a:schemeClr val="accent6">
-                          <a:tint val="90000"/>
-                          <a:shade val="89000"/>
-                          <a:satMod val="220000"/>
-                        </a:schemeClr>
-                      </a:gs>
-                      <a:gs pos="100000">
-                        <a:schemeClr val="accent6">
-                          <a:tint val="12000"/>
-                          <a:satMod val="255000"/>
-                        </a:schemeClr>
-                      </a:gs>
-                    </a:gsLst>
-                    <a:lin ang="5400000"/>
-                  </a:gradFill>
-                  <a:effectLst>
-                    <a:innerShdw blurRad="69850" dist="43180" dir="5400000">
-                      <a:srgbClr val="000000">
-                        <a:alpha val="65000"/>
-                      </a:srgbClr>
-                    </a:innerShdw>
-                  </a:effectLst>
-                </a:rPr>
-                <a:t>확장성</a:t>
-              </a:r>
-              <a:endParaRPr lang="en-US" altLang="ko-KR" sz="2400" b="1" dirty="0" smtClean="0">
+              </a:rPr>
+              <a:t>기능성</a:t>
+            </a:r>
+            <a:endParaRPr lang="en-US" altLang="ko-KR" sz="2400" b="1" dirty="0" smtClean="0">
+              <a:ln w="1905"/>
+              <a:gradFill>
+                <a:gsLst>
+                  <a:gs pos="0">
+                    <a:schemeClr val="accent6">
+                      <a:shade val="20000"/>
+                      <a:satMod val="200000"/>
+                    </a:schemeClr>
+                  </a:gs>
+                  <a:gs pos="78000">
+                    <a:schemeClr val="accent6">
+                      <a:tint val="90000"/>
+                      <a:shade val="89000"/>
+                      <a:satMod val="220000"/>
+                    </a:schemeClr>
+                  </a:gs>
+                  <a:gs pos="100000">
+                    <a:schemeClr val="accent6">
+                      <a:tint val="12000"/>
+                      <a:satMod val="255000"/>
+                    </a:schemeClr>
+                  </a:gs>
+                </a:gsLst>
+                <a:lin ang="5400000"/>
+              </a:gradFill>
+              <a:effectLst>
+                <a:innerShdw blurRad="69850" dist="43180" dir="5400000">
+                  <a:srgbClr val="000000">
+                    <a:alpha val="65000"/>
+                  </a:srgbClr>
+                </a:innerShdw>
+              </a:effectLst>
+            </a:endParaRPr>
+          </a:p>
+          <a:p>
+            <a:r>
+              <a:rPr lang="en-US" altLang="ko-KR" sz="1600" dirty="0" smtClean="0"/>
+              <a:t>- </a:t>
+            </a:r>
+            <a:r>
+              <a:rPr lang="ko-KR" altLang="en-US" sz="1600" dirty="0" smtClean="0"/>
+              <a:t>웹 </a:t>
+            </a:r>
+            <a:r>
+              <a:rPr lang="ko-KR" altLang="en-US" sz="1600" dirty="0" smtClean="0"/>
+              <a:t>표준 준수</a:t>
+            </a:r>
+            <a:endParaRPr lang="en-US" altLang="ko-KR" sz="1600" dirty="0" smtClean="0"/>
+          </a:p>
+          <a:p>
+            <a:pPr>
+              <a:buFontTx/>
+              <a:buChar char="-"/>
+            </a:pPr>
+            <a:r>
+              <a:rPr lang="ko-KR" altLang="en-US" sz="1600" dirty="0" smtClean="0"/>
+              <a:t> 직관적이고 사용자 친화적 인터페이스 유지</a:t>
+            </a:r>
+            <a:endParaRPr lang="en-US" altLang="ko-KR" sz="1600" dirty="0" smtClean="0"/>
+          </a:p>
+          <a:p>
+            <a:pPr>
+              <a:buFontTx/>
+              <a:buChar char="-"/>
+            </a:pPr>
+            <a:r>
+              <a:rPr lang="ko-KR" altLang="en-US" sz="1600" dirty="0" smtClean="0"/>
+              <a:t> 웹</a:t>
+            </a:r>
+            <a:r>
+              <a:rPr lang="en-US" altLang="ko-KR" sz="1600" dirty="0" smtClean="0"/>
+              <a:t>, </a:t>
+            </a:r>
+            <a:r>
+              <a:rPr lang="ko-KR" altLang="en-US" sz="1600" dirty="0" err="1" smtClean="0"/>
+              <a:t>모바일</a:t>
+            </a:r>
+            <a:r>
+              <a:rPr lang="en-US" altLang="ko-KR" sz="1600" dirty="0" smtClean="0"/>
+              <a:t>, </a:t>
+            </a:r>
+            <a:r>
+              <a:rPr lang="ko-KR" altLang="en-US" sz="1600" dirty="0" err="1" smtClean="0"/>
+              <a:t>태플릿</a:t>
+            </a:r>
+            <a:r>
+              <a:rPr lang="ko-KR" altLang="en-US" sz="1600" dirty="0" smtClean="0"/>
+              <a:t> 간의 </a:t>
+            </a:r>
+            <a:r>
+              <a:rPr lang="ko-KR" altLang="en-US" sz="1600" dirty="0" err="1" smtClean="0"/>
+              <a:t>반응형</a:t>
+            </a:r>
+            <a:r>
+              <a:rPr lang="ko-KR" altLang="en-US" sz="1600" dirty="0" smtClean="0"/>
+              <a:t> 웹</a:t>
+            </a:r>
+            <a:endParaRPr lang="en-US" altLang="ko-KR" sz="1600" dirty="0" smtClean="0"/>
+          </a:p>
+          <a:p>
+            <a:pPr>
+              <a:buFontTx/>
+              <a:buChar char="-"/>
+            </a:pPr>
+            <a:r>
+              <a:rPr lang="ko-KR" altLang="en-US" sz="1600" dirty="0" smtClean="0"/>
+              <a:t> 다양한 </a:t>
+            </a:r>
+            <a:r>
+              <a:rPr lang="ko-KR" altLang="en-US" sz="1600" dirty="0" err="1" smtClean="0"/>
+              <a:t>모바일</a:t>
+            </a:r>
+            <a:r>
+              <a:rPr lang="ko-KR" altLang="en-US" sz="1600" dirty="0" smtClean="0"/>
+              <a:t> </a:t>
+            </a:r>
+            <a:r>
+              <a:rPr lang="ko-KR" altLang="en-US" sz="1600" dirty="0" err="1" smtClean="0"/>
+              <a:t>제품군과의</a:t>
+            </a:r>
+            <a:r>
+              <a:rPr lang="ko-KR" altLang="en-US" sz="1600" dirty="0" smtClean="0"/>
+              <a:t> 호환</a:t>
+            </a:r>
+            <a:r>
+              <a:rPr lang="en-US" altLang="ko-KR" sz="1600" dirty="0" smtClean="0"/>
+              <a:t> </a:t>
+            </a:r>
+            <a:endParaRPr lang="en-US" altLang="ko-KR" sz="1600" dirty="0" smtClean="0"/>
+          </a:p>
+          <a:p>
+            <a:endParaRPr lang="en-US" altLang="ko-KR" sz="1600" dirty="0" smtClean="0"/>
+          </a:p>
+          <a:p>
+            <a:pPr>
+              <a:buFontTx/>
+              <a:buChar char="-"/>
+            </a:pPr>
+            <a:endParaRPr lang="ko-KR" altLang="en-US" dirty="0"/>
+          </a:p>
+        </p:txBody>
+      </p:sp>
+      <p:sp>
+        <p:nvSpPr>
+          <p:cNvPr id="6" name="모서리가 둥근 직사각형 5"/>
+          <p:cNvSpPr/>
+          <p:nvPr/>
+        </p:nvSpPr>
+        <p:spPr>
+          <a:xfrm>
+            <a:off x="395536" y="3933056"/>
+            <a:ext cx="3600400" cy="1800200"/>
+          </a:xfrm>
+          <a:prstGeom prst="roundRect">
+            <a:avLst/>
+          </a:prstGeom>
+        </p:spPr>
+        <p:style>
+          <a:lnRef idx="2">
+            <a:schemeClr val="accent5"/>
+          </a:lnRef>
+          <a:fillRef idx="1">
+            <a:schemeClr val="lt1"/>
+          </a:fillRef>
+          <a:effectRef idx="0">
+            <a:schemeClr val="accent5"/>
+          </a:effectRef>
+          <a:fontRef idx="minor">
+            <a:schemeClr val="dk1"/>
+          </a:fontRef>
+        </p:style>
+        <p:txBody>
+          <a:bodyPr rtlCol="0" anchor="ctr"/>
+          <a:lstStyle/>
+          <a:p>
+            <a:pPr algn="ctr"/>
+            <a:r>
+              <a:rPr lang="ko-KR" altLang="en-US" sz="2400" b="1" dirty="0" err="1" smtClean="0">
                 <a:ln w="1905"/>
                 <a:gradFill>
                   <a:gsLst>
@@ -5918,53 +5640,11 @@
                     </a:srgbClr>
                   </a:innerShdw>
                 </a:effectLst>
-              </a:endParaRPr>
-            </a:p>
-            <a:p>
-              <a:pPr>
-                <a:buFontTx/>
-                <a:buChar char="-"/>
-              </a:pPr>
-              <a:r>
-                <a:rPr lang="en-US" altLang="ko-KR" sz="1600" dirty="0" smtClean="0">
-                  <a:latin typeface="+mn-ea"/>
-                </a:rPr>
-                <a:t>RCP </a:t>
-              </a:r>
-              <a:r>
-                <a:rPr lang="ko-KR" altLang="en-US" sz="1600" dirty="0" smtClean="0">
-                  <a:latin typeface="+mn-ea"/>
-                </a:rPr>
-                <a:t>형태</a:t>
-              </a:r>
-              <a:endParaRPr lang="en-US" altLang="ko-KR" sz="1600" dirty="0" smtClean="0">
-                <a:latin typeface="+mn-ea"/>
-              </a:endParaRPr>
-            </a:p>
-            <a:p>
-              <a:pPr>
-                <a:buFontTx/>
-                <a:buChar char="-"/>
-              </a:pPr>
-              <a:r>
-                <a:rPr lang="ko-KR" altLang="en-US" sz="1600" dirty="0" err="1" smtClean="0">
-                  <a:latin typeface="+mn-ea"/>
-                </a:rPr>
-                <a:t>이클립스</a:t>
-              </a:r>
-              <a:r>
-                <a:rPr lang="ko-KR" altLang="en-US" sz="1600" dirty="0" smtClean="0">
-                  <a:latin typeface="+mn-ea"/>
-                </a:rPr>
-                <a:t> 플러그인</a:t>
-              </a:r>
-              <a:endParaRPr lang="en-US" altLang="ko-KR" sz="1600" dirty="0" smtClean="0">
-                <a:latin typeface="+mn-ea"/>
-              </a:endParaRPr>
-            </a:p>
-            <a:p>
-              <a:pPr algn="ctr"/>
-              <a:endParaRPr lang="ko-KR" altLang="en-US" sz="2400" b="1" dirty="0">
+              </a:rPr>
+              <a:t>접근성</a:t>
+            </a:r>
+            <a:r>
+              <a:rPr lang="ko-KR" altLang="en-US" sz="2400" b="1" dirty="0" smtClean="0">
                 <a:ln w="1905"/>
                 <a:gradFill>
                   <a:gsLst>
@@ -5997,82 +5677,11 @@
                     </a:srgbClr>
                   </a:innerShdw>
                 </a:effectLst>
-              </a:endParaRPr>
-            </a:p>
-          </p:txBody>
-        </p:sp>
-        <p:sp>
-          <p:nvSpPr>
-            <p:cNvPr id="7" name="모서리가 둥근 직사각형 6"/>
-            <p:cNvSpPr/>
-            <p:nvPr/>
-          </p:nvSpPr>
-          <p:spPr>
-            <a:xfrm>
-              <a:off x="4788024" y="3933056"/>
-              <a:ext cx="3312368" cy="1800200"/>
-            </a:xfrm>
-            <a:prstGeom prst="roundRect">
-              <a:avLst/>
-            </a:prstGeom>
-          </p:spPr>
-          <p:style>
-            <a:lnRef idx="2">
-              <a:schemeClr val="accent5"/>
-            </a:lnRef>
-            <a:fillRef idx="1">
-              <a:schemeClr val="lt1"/>
-            </a:fillRef>
-            <a:effectRef idx="0">
-              <a:schemeClr val="accent5"/>
-            </a:effectRef>
-            <a:fontRef idx="minor">
-              <a:schemeClr val="dk1"/>
-            </a:fontRef>
-          </p:style>
-          <p:txBody>
-            <a:bodyPr rtlCol="0" anchor="ctr"/>
-            <a:lstStyle/>
-            <a:p>
-              <a:pPr algn="ctr"/>
-              <a:r>
-                <a:rPr lang="ko-KR" altLang="en-US" sz="2400" b="1" dirty="0" smtClean="0">
-                  <a:ln w="1905"/>
-                  <a:gradFill>
-                    <a:gsLst>
-                      <a:gs pos="0">
-                        <a:schemeClr val="accent6">
-                          <a:shade val="20000"/>
-                          <a:satMod val="200000"/>
-                        </a:schemeClr>
-                      </a:gs>
-                      <a:gs pos="78000">
-                        <a:schemeClr val="accent6">
-                          <a:tint val="90000"/>
-                          <a:shade val="89000"/>
-                          <a:satMod val="220000"/>
-                        </a:schemeClr>
-                      </a:gs>
-                      <a:gs pos="100000">
-                        <a:schemeClr val="accent6">
-                          <a:tint val="12000"/>
-                          <a:satMod val="255000"/>
-                        </a:schemeClr>
-                      </a:gs>
-                    </a:gsLst>
-                    <a:lin ang="5400000"/>
-                  </a:gradFill>
-                  <a:effectLst>
-                    <a:innerShdw blurRad="69850" dist="43180" dir="5400000">
-                      <a:srgbClr val="000000">
-                        <a:alpha val="65000"/>
-                      </a:srgbClr>
-                    </a:innerShdw>
-                  </a:effectLst>
-                </a:rPr>
-                <a:t>지속성</a:t>
-              </a:r>
-              <a:endParaRPr lang="en-US" altLang="ko-KR" sz="2400" b="1" dirty="0" smtClean="0">
+              </a:rPr>
+              <a:t> </a:t>
+            </a:r>
+            <a:r>
+              <a:rPr lang="en-US" altLang="ko-KR" sz="2400" b="1" dirty="0" smtClean="0">
                 <a:ln w="1905"/>
                 <a:gradFill>
                   <a:gsLst>
@@ -6105,43 +5714,331 @@
                     </a:srgbClr>
                   </a:innerShdw>
                 </a:effectLst>
-              </a:endParaRPr>
-            </a:p>
-            <a:p>
-              <a:pPr>
-                <a:buFontTx/>
-                <a:buChar char="-"/>
-              </a:pPr>
-              <a:r>
-                <a:rPr lang="ko-KR" altLang="en-US" sz="1600" dirty="0" err="1" smtClean="0">
-                  <a:latin typeface="+mn-ea"/>
-                </a:rPr>
-                <a:t>오픈소스</a:t>
-              </a:r>
-              <a:r>
-                <a:rPr lang="ko-KR" altLang="en-US" sz="1600" dirty="0" smtClean="0">
-                  <a:latin typeface="+mn-ea"/>
-                </a:rPr>
-                <a:t> 커뮤니티 사이트</a:t>
-              </a:r>
-              <a:endParaRPr lang="en-US" altLang="ko-KR" sz="1600" dirty="0" smtClean="0">
+              </a:rPr>
+              <a:t>/ </a:t>
+            </a:r>
+            <a:r>
+              <a:rPr lang="ko-KR" altLang="en-US" sz="2400" b="1" dirty="0" smtClean="0">
+                <a:ln w="1905"/>
+                <a:gradFill>
+                  <a:gsLst>
+                    <a:gs pos="0">
+                      <a:schemeClr val="accent6">
+                        <a:shade val="20000"/>
+                        <a:satMod val="200000"/>
+                      </a:schemeClr>
+                    </a:gs>
+                    <a:gs pos="78000">
+                      <a:schemeClr val="accent6">
+                        <a:tint val="90000"/>
+                        <a:shade val="89000"/>
+                        <a:satMod val="220000"/>
+                      </a:schemeClr>
+                    </a:gs>
+                    <a:gs pos="100000">
+                      <a:schemeClr val="accent6">
+                        <a:tint val="12000"/>
+                        <a:satMod val="255000"/>
+                      </a:schemeClr>
+                    </a:gs>
+                  </a:gsLst>
+                  <a:lin ang="5400000"/>
+                </a:gradFill>
+                <a:effectLst>
+                  <a:innerShdw blurRad="69850" dist="43180" dir="5400000">
+                    <a:srgbClr val="000000">
+                      <a:alpha val="65000"/>
+                    </a:srgbClr>
+                  </a:innerShdw>
+                </a:effectLst>
+              </a:rPr>
+              <a:t>호환성</a:t>
+            </a:r>
+            <a:endParaRPr lang="en-US" altLang="ko-KR" sz="2400" b="1" dirty="0" smtClean="0">
+              <a:ln w="1905"/>
+              <a:gradFill>
+                <a:gsLst>
+                  <a:gs pos="0">
+                    <a:schemeClr val="accent6">
+                      <a:shade val="20000"/>
+                      <a:satMod val="200000"/>
+                    </a:schemeClr>
+                  </a:gs>
+                  <a:gs pos="78000">
+                    <a:schemeClr val="accent6">
+                      <a:tint val="90000"/>
+                      <a:shade val="89000"/>
+                      <a:satMod val="220000"/>
+                    </a:schemeClr>
+                  </a:gs>
+                  <a:gs pos="100000">
+                    <a:schemeClr val="accent6">
+                      <a:tint val="12000"/>
+                      <a:satMod val="255000"/>
+                    </a:schemeClr>
+                  </a:gs>
+                </a:gsLst>
+                <a:lin ang="5400000"/>
+              </a:gradFill>
+              <a:effectLst>
+                <a:innerShdw blurRad="69850" dist="43180" dir="5400000">
+                  <a:srgbClr val="000000">
+                    <a:alpha val="65000"/>
+                  </a:srgbClr>
+                </a:innerShdw>
+              </a:effectLst>
+            </a:endParaRPr>
+          </a:p>
+          <a:p>
+            <a:r>
+              <a:rPr lang="en-US" altLang="ko-KR" sz="1600" dirty="0"/>
+              <a:t>-</a:t>
+            </a:r>
+            <a:r>
+              <a:rPr lang="en-US" altLang="ko-KR" sz="1600" dirty="0" smtClean="0">
                 <a:latin typeface="+mn-ea"/>
-              </a:endParaRPr>
-            </a:p>
-            <a:p>
-              <a:r>
-                <a:rPr lang="en-US" altLang="ko-KR" sz="1600" dirty="0" smtClean="0">
-                  <a:latin typeface="+mn-ea"/>
-                </a:rPr>
-                <a:t>  (SourceForge.net)</a:t>
-              </a:r>
-            </a:p>
-            <a:p>
-              <a:pPr>
-                <a:buFontTx/>
-                <a:buChar char="-"/>
-              </a:pPr>
-              <a:endParaRPr lang="ko-KR" altLang="en-US" sz="1600" dirty="0">
+              </a:rPr>
+              <a:t> </a:t>
+            </a:r>
+            <a:r>
+              <a:rPr lang="ko-KR" altLang="en-US" sz="1600" dirty="0" smtClean="0">
+                <a:latin typeface="+mn-ea"/>
+              </a:rPr>
+              <a:t>기존의 다른 </a:t>
+            </a:r>
+            <a:r>
+              <a:rPr lang="ko-KR" altLang="en-US" sz="1600" dirty="0" err="1" smtClean="0">
+                <a:latin typeface="+mn-ea"/>
+              </a:rPr>
+              <a:t>제품군과의</a:t>
+            </a:r>
+            <a:r>
+              <a:rPr lang="ko-KR" altLang="en-US" sz="1600" dirty="0" smtClean="0">
+                <a:latin typeface="+mn-ea"/>
+              </a:rPr>
+              <a:t> 호환</a:t>
+            </a:r>
+            <a:endParaRPr lang="en-US" altLang="ko-KR" sz="1600" dirty="0">
+              <a:latin typeface="+mn-ea"/>
+            </a:endParaRPr>
+          </a:p>
+          <a:p>
+            <a:r>
+              <a:rPr lang="en-US" altLang="ko-KR" sz="1600" dirty="0"/>
+              <a:t>-</a:t>
+            </a:r>
+            <a:r>
+              <a:rPr lang="en-US" altLang="ko-KR" sz="1600" dirty="0" smtClean="0">
+                <a:latin typeface="+mn-ea"/>
+              </a:rPr>
+              <a:t> API </a:t>
+            </a:r>
+            <a:r>
+              <a:rPr lang="ko-KR" altLang="en-US" sz="1600" dirty="0" smtClean="0">
+                <a:latin typeface="+mn-ea"/>
+              </a:rPr>
+              <a:t>레벨로 소스코드 정제</a:t>
+            </a:r>
+            <a:endParaRPr lang="en-US" altLang="ko-KR" sz="2400" b="1" dirty="0">
+              <a:ln w="1905"/>
+              <a:gradFill>
+                <a:gsLst>
+                  <a:gs pos="0">
+                    <a:schemeClr val="accent6">
+                      <a:shade val="20000"/>
+                      <a:satMod val="200000"/>
+                    </a:schemeClr>
+                  </a:gs>
+                  <a:gs pos="78000">
+                    <a:schemeClr val="accent6">
+                      <a:tint val="90000"/>
+                      <a:shade val="89000"/>
+                      <a:satMod val="220000"/>
+                    </a:schemeClr>
+                  </a:gs>
+                  <a:gs pos="100000">
+                    <a:schemeClr val="accent6">
+                      <a:tint val="12000"/>
+                      <a:satMod val="255000"/>
+                    </a:schemeClr>
+                  </a:gs>
+                </a:gsLst>
+                <a:lin ang="5400000"/>
+              </a:gradFill>
+              <a:effectLst>
+                <a:innerShdw blurRad="69850" dist="43180" dir="5400000">
+                  <a:srgbClr val="000000">
+                    <a:alpha val="65000"/>
+                  </a:srgbClr>
+                </a:innerShdw>
+              </a:effectLst>
+            </a:endParaRPr>
+          </a:p>
+        </p:txBody>
+      </p:sp>
+      <p:sp>
+        <p:nvSpPr>
+          <p:cNvPr id="7" name="모서리가 둥근 직사각형 6"/>
+          <p:cNvSpPr/>
+          <p:nvPr/>
+        </p:nvSpPr>
+        <p:spPr>
+          <a:xfrm>
+            <a:off x="4572000" y="3933056"/>
+            <a:ext cx="3528392" cy="1800200"/>
+          </a:xfrm>
+          <a:prstGeom prst="roundRect">
+            <a:avLst/>
+          </a:prstGeom>
+        </p:spPr>
+        <p:style>
+          <a:lnRef idx="2">
+            <a:schemeClr val="accent5"/>
+          </a:lnRef>
+          <a:fillRef idx="1">
+            <a:schemeClr val="lt1"/>
+          </a:fillRef>
+          <a:effectRef idx="0">
+            <a:schemeClr val="accent5"/>
+          </a:effectRef>
+          <a:fontRef idx="minor">
+            <a:schemeClr val="dk1"/>
+          </a:fontRef>
+        </p:style>
+        <p:txBody>
+          <a:bodyPr rtlCol="0" anchor="ctr"/>
+          <a:lstStyle/>
+          <a:p>
+            <a:pPr algn="ctr"/>
+            <a:r>
+              <a:rPr lang="ko-KR" altLang="en-US" sz="2400" b="1" dirty="0" smtClean="0">
+                <a:ln w="1905"/>
+                <a:gradFill>
+                  <a:gsLst>
+                    <a:gs pos="0">
+                      <a:schemeClr val="accent6">
+                        <a:shade val="20000"/>
+                        <a:satMod val="200000"/>
+                      </a:schemeClr>
+                    </a:gs>
+                    <a:gs pos="78000">
+                      <a:schemeClr val="accent6">
+                        <a:tint val="90000"/>
+                        <a:shade val="89000"/>
+                        <a:satMod val="220000"/>
+                      </a:schemeClr>
+                    </a:gs>
+                    <a:gs pos="100000">
+                      <a:schemeClr val="accent6">
+                        <a:tint val="12000"/>
+                        <a:satMod val="255000"/>
+                      </a:schemeClr>
+                    </a:gs>
+                  </a:gsLst>
+                  <a:lin ang="5400000"/>
+                </a:gradFill>
+                <a:effectLst>
+                  <a:innerShdw blurRad="69850" dist="43180" dir="5400000">
+                    <a:srgbClr val="000000">
+                      <a:alpha val="65000"/>
+                    </a:srgbClr>
+                  </a:innerShdw>
+                </a:effectLst>
+              </a:rPr>
+              <a:t>지속성</a:t>
+            </a:r>
+            <a:endParaRPr lang="en-US" altLang="ko-KR" sz="2400" b="1" dirty="0" smtClean="0">
+              <a:ln w="1905"/>
+              <a:gradFill>
+                <a:gsLst>
+                  <a:gs pos="0">
+                    <a:schemeClr val="accent6">
+                      <a:shade val="20000"/>
+                      <a:satMod val="200000"/>
+                    </a:schemeClr>
+                  </a:gs>
+                  <a:gs pos="78000">
+                    <a:schemeClr val="accent6">
+                      <a:tint val="90000"/>
+                      <a:shade val="89000"/>
+                      <a:satMod val="220000"/>
+                    </a:schemeClr>
+                  </a:gs>
+                  <a:gs pos="100000">
+                    <a:schemeClr val="accent6">
+                      <a:tint val="12000"/>
+                      <a:satMod val="255000"/>
+                    </a:schemeClr>
+                  </a:gs>
+                </a:gsLst>
+                <a:lin ang="5400000"/>
+              </a:gradFill>
+              <a:effectLst>
+                <a:innerShdw blurRad="69850" dist="43180" dir="5400000">
+                  <a:srgbClr val="000000">
+                    <a:alpha val="65000"/>
+                  </a:srgbClr>
+                </a:innerShdw>
+              </a:effectLst>
+            </a:endParaRPr>
+          </a:p>
+          <a:p>
+            <a:r>
+              <a:rPr lang="en-US" altLang="ko-KR" sz="1600" dirty="0"/>
+              <a:t>-</a:t>
+            </a:r>
+            <a:r>
+              <a:rPr lang="en-US" altLang="ko-KR" sz="1600" dirty="0" smtClean="0">
+                <a:latin typeface="+mn-ea"/>
+              </a:rPr>
+              <a:t> </a:t>
+            </a:r>
+            <a:r>
+              <a:rPr lang="ko-KR" altLang="en-US" sz="1600" dirty="0" smtClean="0">
+                <a:latin typeface="+mn-ea"/>
+              </a:rPr>
+              <a:t>프로젝트 커뮤니티 활성</a:t>
+            </a:r>
+            <a:r>
+              <a:rPr lang="en-US" altLang="ko-KR" sz="1600" dirty="0" smtClean="0">
+                <a:latin typeface="+mn-ea"/>
+              </a:rPr>
+              <a:t>(</a:t>
+            </a:r>
+            <a:r>
+              <a:rPr lang="en-US" altLang="ko-KR" sz="1600" dirty="0" err="1" smtClean="0">
+                <a:latin typeface="+mn-ea"/>
+              </a:rPr>
+              <a:t>github</a:t>
+            </a:r>
+            <a:r>
+              <a:rPr lang="en-US" altLang="ko-KR" sz="1600" dirty="0" smtClean="0">
+                <a:latin typeface="+mn-ea"/>
+              </a:rPr>
+              <a:t>)</a:t>
+            </a:r>
+            <a:endParaRPr lang="en-US" altLang="ko-KR" sz="1600" dirty="0">
+              <a:ln w="1905"/>
+              <a:solidFill>
+                <a:schemeClr val="bg1"/>
+              </a:solidFill>
+              <a:effectLst>
+                <a:innerShdw blurRad="69850" dist="43180" dir="5400000">
+                  <a:srgbClr val="000000">
+                    <a:alpha val="65000"/>
+                  </a:srgbClr>
+                </a:innerShdw>
+              </a:effectLst>
+              <a:latin typeface="+mn-ea"/>
+            </a:endParaRPr>
+          </a:p>
+          <a:p>
+            <a:r>
+              <a:rPr lang="en-US" altLang="ko-KR" sz="1600" dirty="0"/>
+              <a:t>-</a:t>
+            </a:r>
+            <a:r>
+              <a:rPr lang="en-US" altLang="ko-KR" sz="1600" dirty="0" smtClean="0">
                 <a:ln w="1905"/>
                 <a:solidFill>
                   <a:schemeClr val="bg1"/>
@@ -6154,66 +6051,139 @@
                   </a:innerShdw>
                 </a:effectLst>
                 <a:latin typeface="+mn-ea"/>
-              </a:endParaRPr>
-            </a:p>
-          </p:txBody>
-        </p:sp>
-        <p:sp>
-          <p:nvSpPr>
-            <p:cNvPr id="8" name="타원 7"/>
-            <p:cNvSpPr/>
-            <p:nvPr/>
-          </p:nvSpPr>
-          <p:spPr>
-            <a:xfrm>
-              <a:off x="3203848" y="3356992"/>
-              <a:ext cx="2160240" cy="1224136"/>
-            </a:xfrm>
-            <a:prstGeom prst="ellipse">
-              <a:avLst/>
-            </a:prstGeom>
-          </p:spPr>
-          <p:style>
-            <a:lnRef idx="3">
-              <a:schemeClr val="lt1"/>
-            </a:lnRef>
-            <a:fillRef idx="1">
-              <a:schemeClr val="accent6"/>
-            </a:fillRef>
-            <a:effectRef idx="1">
-              <a:schemeClr val="accent6"/>
-            </a:effectRef>
-            <a:fontRef idx="minor">
-              <a:schemeClr val="lt1"/>
-            </a:fontRef>
-          </p:style>
-          <p:txBody>
-            <a:bodyPr rtlCol="0" anchor="ctr"/>
-            <a:lstStyle/>
-            <a:p>
-              <a:pPr algn="ctr"/>
-              <a:r>
-                <a:rPr lang="en-US" altLang="ko-KR" sz="2400" i="1" dirty="0" err="1" smtClean="0">
-                  <a:ln w="18415" cmpd="sng">
-                    <a:solidFill>
-                      <a:srgbClr val="FFFFFF"/>
-                    </a:solidFill>
-                    <a:prstDash val="solid"/>
-                  </a:ln>
-                  <a:solidFill>
-                    <a:srgbClr val="FFFFFF"/>
-                  </a:solidFill>
-                  <a:effectLst>
-                    <a:outerShdw blurRad="63500" dir="3600000" algn="tl" rotWithShape="0">
-                      <a:srgbClr val="000000">
-                        <a:alpha val="70000"/>
-                      </a:srgbClr>
-                    </a:outerShdw>
-                  </a:effectLst>
-                </a:rPr>
-                <a:t>nPM</a:t>
-              </a:r>
-              <a:endParaRPr lang="ko-KR" altLang="en-US" sz="2400" i="1" dirty="0">
+              </a:rPr>
+              <a:t> </a:t>
+            </a:r>
+            <a:r>
+              <a:rPr lang="ko-KR" altLang="en-US" sz="1600" dirty="0" smtClean="0">
+                <a:ln w="1905"/>
+                <a:solidFill>
+                  <a:schemeClr val="bg1"/>
+                </a:solidFill>
+                <a:effectLst>
+                  <a:innerShdw blurRad="69850" dist="43180" dir="5400000">
+                    <a:srgbClr val="000000">
+                      <a:alpha val="65000"/>
+                    </a:srgbClr>
+                  </a:innerShdw>
+                </a:effectLst>
+                <a:latin typeface="+mn-ea"/>
+              </a:rPr>
+              <a:t>지속적인 소스 </a:t>
+            </a:r>
+            <a:r>
+              <a:rPr lang="ko-KR" altLang="en-US" sz="1600" dirty="0" err="1" smtClean="0">
+                <a:ln w="1905"/>
+                <a:solidFill>
+                  <a:schemeClr val="bg1"/>
+                </a:solidFill>
+                <a:effectLst>
+                  <a:innerShdw blurRad="69850" dist="43180" dir="5400000">
+                    <a:srgbClr val="000000">
+                      <a:alpha val="65000"/>
+                    </a:srgbClr>
+                  </a:innerShdw>
+                </a:effectLst>
+                <a:latin typeface="+mn-ea"/>
+              </a:rPr>
+              <a:t>커밋</a:t>
+            </a:r>
+            <a:endParaRPr lang="en-US" altLang="ko-KR" sz="1600" dirty="0" smtClean="0">
+              <a:ln w="1905"/>
+              <a:solidFill>
+                <a:schemeClr val="bg1"/>
+              </a:solidFill>
+              <a:effectLst>
+                <a:innerShdw blurRad="69850" dist="43180" dir="5400000">
+                  <a:srgbClr val="000000">
+                    <a:alpha val="65000"/>
+                  </a:srgbClr>
+                </a:innerShdw>
+              </a:effectLst>
+              <a:latin typeface="+mn-ea"/>
+            </a:endParaRPr>
+          </a:p>
+          <a:p>
+            <a:r>
+              <a:rPr lang="en-US" altLang="ko-KR" sz="1600" dirty="0"/>
+              <a:t>-</a:t>
+            </a:r>
+            <a:r>
+              <a:rPr lang="en-US" altLang="ko-KR" sz="1600" dirty="0" smtClean="0">
+                <a:ln w="1905"/>
+                <a:solidFill>
+                  <a:schemeClr val="bg1"/>
+                </a:solidFill>
+                <a:effectLst>
+                  <a:innerShdw blurRad="69850" dist="43180" dir="5400000">
+                    <a:srgbClr val="000000">
+                      <a:alpha val="65000"/>
+                    </a:srgbClr>
+                  </a:innerShdw>
+                </a:effectLst>
+                <a:latin typeface="+mn-ea"/>
+              </a:rPr>
+              <a:t> wiki, </a:t>
+            </a:r>
+            <a:r>
+              <a:rPr lang="ko-KR" altLang="en-US" sz="1600" dirty="0" smtClean="0">
+                <a:ln w="1905"/>
+                <a:solidFill>
+                  <a:schemeClr val="bg1"/>
+                </a:solidFill>
+                <a:effectLst>
+                  <a:innerShdw blurRad="69850" dist="43180" dir="5400000">
+                    <a:srgbClr val="000000">
+                      <a:alpha val="65000"/>
+                    </a:srgbClr>
+                  </a:innerShdw>
+                </a:effectLst>
+                <a:latin typeface="+mn-ea"/>
+              </a:rPr>
+              <a:t>문서화</a:t>
+            </a:r>
+            <a:endParaRPr lang="en-US" altLang="ko-KR" sz="1600" dirty="0" smtClean="0">
+              <a:latin typeface="+mn-ea"/>
+            </a:endParaRPr>
+          </a:p>
+        </p:txBody>
+      </p:sp>
+      <p:sp>
+        <p:nvSpPr>
+          <p:cNvPr id="8" name="타원 7"/>
+          <p:cNvSpPr/>
+          <p:nvPr/>
+        </p:nvSpPr>
+        <p:spPr>
+          <a:xfrm>
+            <a:off x="3203848" y="3320988"/>
+            <a:ext cx="2160240" cy="1224136"/>
+          </a:xfrm>
+          <a:prstGeom prst="ellipse">
+            <a:avLst/>
+          </a:prstGeom>
+        </p:spPr>
+        <p:style>
+          <a:lnRef idx="3">
+            <a:schemeClr val="lt1"/>
+          </a:lnRef>
+          <a:fillRef idx="1">
+            <a:schemeClr val="accent6"/>
+          </a:fillRef>
+          <a:effectRef idx="1">
+            <a:schemeClr val="accent6"/>
+          </a:effectRef>
+          <a:fontRef idx="minor">
+            <a:schemeClr val="lt1"/>
+          </a:fontRef>
+        </p:style>
+        <p:txBody>
+          <a:bodyPr rtlCol="0" anchor="ctr"/>
+          <a:lstStyle/>
+          <a:p>
+            <a:pPr algn="ctr"/>
+            <a:r>
+              <a:rPr lang="en-US" altLang="ko-KR" sz="4000" i="1" dirty="0" err="1" smtClean="0">
                 <a:ln w="18415" cmpd="sng">
                   <a:solidFill>
                     <a:srgbClr val="FFFFFF"/>
@@ -6224,17 +6194,48 @@
                   <a:srgbClr val="FFFFFF"/>
                 </a:solidFill>
                 <a:effectLst>
-                  <a:outerShdw blurRad="63500" dir="3600000" algn="tl" rotWithShape="0">
-                    <a:srgbClr val="000000">
-                      <a:alpha val="70000"/>
-                    </a:srgbClr>
+                  <a:glow rad="63500">
+                    <a:schemeClr val="accent2">
+                      <a:satMod val="175000"/>
+                      <a:alpha val="40000"/>
+                    </a:schemeClr>
+                  </a:glow>
+                  <a:outerShdw blurRad="60007" dist="200025" dir="15000000" sy="30000" kx="-1800000" algn="bl" rotWithShape="0">
+                    <a:prstClr val="black">
+                      <a:alpha val="32000"/>
+                    </a:prstClr>
                   </a:outerShdw>
                 </a:effectLst>
-              </a:endParaRPr>
-            </a:p>
-          </p:txBody>
-        </p:sp>
-      </p:grpSp>
+              </a:rPr>
+              <a:t>nPM</a:t>
+            </a:r>
+            <a:endParaRPr lang="ko-KR" altLang="en-US" sz="4000" i="1" dirty="0">
+              <a:ln w="18415" cmpd="sng">
+                <a:solidFill>
+                  <a:srgbClr val="FFFFFF"/>
+                </a:solidFill>
+                <a:prstDash val="solid"/>
+              </a:ln>
+              <a:solidFill>
+                <a:srgbClr val="FFFFFF"/>
+              </a:solidFill>
+              <a:effectLst>
+                <a:glow rad="63500">
+                  <a:schemeClr val="accent2">
+                    <a:satMod val="175000"/>
+                    <a:alpha val="40000"/>
+                  </a:schemeClr>
+                </a:glow>
+                <a:outerShdw blurRad="60007" dist="200025" dir="15000000" sy="30000" kx="-1800000" algn="bl" rotWithShape="0">
+                  <a:prstClr val="black">
+                    <a:alpha val="32000"/>
+                  </a:prstClr>
+                </a:outerShdw>
+              </a:effectLst>
+            </a:endParaRPr>
+          </a:p>
+        </p:txBody>
+      </p:sp>
       <p:sp>
         <p:nvSpPr>
           <p:cNvPr id="11" name="바닥글 개체 틀 10"/>
@@ -6277,7 +6278,471 @@
   <p:timing>
     <p:tnLst>
       <p:par>
-        <p:cTn id="1" dur="indefinite" restart="never" nodeType="tmRoot"/>
+        <p:cTn id="1" dur="indefinite" restart="never" nodeType="tmRoot">
+          <p:childTnLst>
+            <p:seq concurrent="1" nextAc="seek">
+              <p:cTn id="2" dur="indefinite" nodeType="mainSeq">
+                <p:childTnLst>
+                  <p:par>
+                    <p:cTn id="3" fill="hold">
+                      <p:stCondLst>
+                        <p:cond delay="indefinite"/>
+                      </p:stCondLst>
+                      <p:childTnLst>
+                        <p:par>
+                          <p:cTn id="4" fill="hold">
+                            <p:stCondLst>
+                              <p:cond delay="0"/>
+                            </p:stCondLst>
+                            <p:childTnLst>
+                              <p:par>
+                                <p:cTn id="5" presetID="14" presetClass="entr" presetSubtype="10" fill="hold" nodeType="clickEffect">
+                                  <p:stCondLst>
+                                    <p:cond delay="0"/>
+                                  </p:stCondLst>
+                                  <p:childTnLst>
+                                    <p:set>
+                                      <p:cBhvr>
+                                        <p:cTn id="6" dur="1" fill="hold">
+                                          <p:stCondLst>
+                                            <p:cond delay="0"/>
+                                          </p:stCondLst>
+                                        </p:cTn>
+                                        <p:tgtEl>
+                                          <p:spTgt spid="5">
+                                            <p:txEl>
+                                              <p:pRg st="2" end="2"/>
+                                            </p:txEl>
+                                          </p:spTgt>
+                                        </p:tgtEl>
+                                        <p:attrNameLst>
+                                          <p:attrName>style.visibility</p:attrName>
+                                        </p:attrNameLst>
+                                      </p:cBhvr>
+                                      <p:to>
+                                        <p:strVal val="visible"/>
+                                      </p:to>
+                                    </p:set>
+                                    <p:animEffect transition="in" filter="randombar(horizontal)">
+                                      <p:cBhvr>
+                                        <p:cTn id="7" dur="500"/>
+                                        <p:tgtEl>
+                                          <p:spTgt spid="5">
+                                            <p:txEl>
+                                              <p:pRg st="2" end="2"/>
+                                            </p:txEl>
+                                          </p:spTgt>
+                                        </p:tgtEl>
+                                      </p:cBhvr>
+                                    </p:animEffect>
+                                  </p:childTnLst>
+                                </p:cTn>
+                              </p:par>
+                              <p:par>
+                                <p:cTn id="8" presetID="14" presetClass="entr" presetSubtype="10" fill="hold" nodeType="withEffect">
+                                  <p:stCondLst>
+                                    <p:cond delay="0"/>
+                                  </p:stCondLst>
+                                  <p:childTnLst>
+                                    <p:set>
+                                      <p:cBhvr>
+                                        <p:cTn id="9" dur="1" fill="hold">
+                                          <p:stCondLst>
+                                            <p:cond delay="0"/>
+                                          </p:stCondLst>
+                                        </p:cTn>
+                                        <p:tgtEl>
+                                          <p:spTgt spid="5">
+                                            <p:txEl>
+                                              <p:pRg st="3" end="3"/>
+                                            </p:txEl>
+                                          </p:spTgt>
+                                        </p:tgtEl>
+                                        <p:attrNameLst>
+                                          <p:attrName>style.visibility</p:attrName>
+                                        </p:attrNameLst>
+                                      </p:cBhvr>
+                                      <p:to>
+                                        <p:strVal val="visible"/>
+                                      </p:to>
+                                    </p:set>
+                                    <p:animEffect transition="in" filter="randombar(horizontal)">
+                                      <p:cBhvr>
+                                        <p:cTn id="10" dur="500"/>
+                                        <p:tgtEl>
+                                          <p:spTgt spid="5">
+                                            <p:txEl>
+                                              <p:pRg st="3" end="3"/>
+                                            </p:txEl>
+                                          </p:spTgt>
+                                        </p:tgtEl>
+                                      </p:cBhvr>
+                                    </p:animEffect>
+                                  </p:childTnLst>
+                                </p:cTn>
+                              </p:par>
+                              <p:par>
+                                <p:cTn id="11" presetID="14" presetClass="entr" presetSubtype="10" fill="hold" nodeType="withEffect">
+                                  <p:stCondLst>
+                                    <p:cond delay="0"/>
+                                  </p:stCondLst>
+                                  <p:childTnLst>
+                                    <p:set>
+                                      <p:cBhvr>
+                                        <p:cTn id="12" dur="1" fill="hold">
+                                          <p:stCondLst>
+                                            <p:cond delay="0"/>
+                                          </p:stCondLst>
+                                        </p:cTn>
+                                        <p:tgtEl>
+                                          <p:spTgt spid="5">
+                                            <p:txEl>
+                                              <p:pRg st="4" end="4"/>
+                                            </p:txEl>
+                                          </p:spTgt>
+                                        </p:tgtEl>
+                                        <p:attrNameLst>
+                                          <p:attrName>style.visibility</p:attrName>
+                                        </p:attrNameLst>
+                                      </p:cBhvr>
+                                      <p:to>
+                                        <p:strVal val="visible"/>
+                                      </p:to>
+                                    </p:set>
+                                    <p:animEffect transition="in" filter="randombar(horizontal)">
+                                      <p:cBhvr>
+                                        <p:cTn id="13" dur="500"/>
+                                        <p:tgtEl>
+                                          <p:spTgt spid="5">
+                                            <p:txEl>
+                                              <p:pRg st="4" end="4"/>
+                                            </p:txEl>
+                                          </p:spTgt>
+                                        </p:tgtEl>
+                                      </p:cBhvr>
+                                    </p:animEffect>
+                                  </p:childTnLst>
+                                </p:cTn>
+                              </p:par>
+                              <p:par>
+                                <p:cTn id="14" presetID="14" presetClass="entr" presetSubtype="10" fill="hold" nodeType="withEffect">
+                                  <p:stCondLst>
+                                    <p:cond delay="0"/>
+                                  </p:stCondLst>
+                                  <p:childTnLst>
+                                    <p:set>
+                                      <p:cBhvr>
+                                        <p:cTn id="15" dur="1" fill="hold">
+                                          <p:stCondLst>
+                                            <p:cond delay="0"/>
+                                          </p:stCondLst>
+                                        </p:cTn>
+                                        <p:tgtEl>
+                                          <p:spTgt spid="5">
+                                            <p:txEl>
+                                              <p:pRg st="5" end="5"/>
+                                            </p:txEl>
+                                          </p:spTgt>
+                                        </p:tgtEl>
+                                        <p:attrNameLst>
+                                          <p:attrName>style.visibility</p:attrName>
+                                        </p:attrNameLst>
+                                      </p:cBhvr>
+                                      <p:to>
+                                        <p:strVal val="visible"/>
+                                      </p:to>
+                                    </p:set>
+                                    <p:animEffect transition="in" filter="randombar(horizontal)">
+                                      <p:cBhvr>
+                                        <p:cTn id="16" dur="500"/>
+                                        <p:tgtEl>
+                                          <p:spTgt spid="5">
+                                            <p:txEl>
+                                              <p:pRg st="5" end="5"/>
+                                            </p:txEl>
+                                          </p:spTgt>
+                                        </p:tgtEl>
+                                      </p:cBhvr>
+                                    </p:animEffect>
+                                  </p:childTnLst>
+                                </p:cTn>
+                              </p:par>
+                            </p:childTnLst>
+                          </p:cTn>
+                        </p:par>
+                      </p:childTnLst>
+                    </p:cTn>
+                  </p:par>
+                  <p:par>
+                    <p:cTn id="17" fill="hold">
+                      <p:stCondLst>
+                        <p:cond delay="indefinite"/>
+                      </p:stCondLst>
+                      <p:childTnLst>
+                        <p:par>
+                          <p:cTn id="18" fill="hold">
+                            <p:stCondLst>
+                              <p:cond delay="0"/>
+                            </p:stCondLst>
+                            <p:childTnLst>
+                              <p:par>
+                                <p:cTn id="19" presetID="22" presetClass="entr" presetSubtype="4" fill="hold" nodeType="clickEffect">
+                                  <p:stCondLst>
+                                    <p:cond delay="0"/>
+                                  </p:stCondLst>
+                                  <p:childTnLst>
+                                    <p:set>
+                                      <p:cBhvr>
+                                        <p:cTn id="20" dur="1" fill="hold">
+                                          <p:stCondLst>
+                                            <p:cond delay="0"/>
+                                          </p:stCondLst>
+                                        </p:cTn>
+                                        <p:tgtEl>
+                                          <p:spTgt spid="6">
+                                            <p:txEl>
+                                              <p:pRg st="1" end="1"/>
+                                            </p:txEl>
+                                          </p:spTgt>
+                                        </p:tgtEl>
+                                        <p:attrNameLst>
+                                          <p:attrName>style.visibility</p:attrName>
+                                        </p:attrNameLst>
+                                      </p:cBhvr>
+                                      <p:to>
+                                        <p:strVal val="visible"/>
+                                      </p:to>
+                                    </p:set>
+                                    <p:animEffect transition="in" filter="wipe(down)">
+                                      <p:cBhvr>
+                                        <p:cTn id="21" dur="500"/>
+                                        <p:tgtEl>
+                                          <p:spTgt spid="6">
+                                            <p:txEl>
+                                              <p:pRg st="1" end="1"/>
+                                            </p:txEl>
+                                          </p:spTgt>
+                                        </p:tgtEl>
+                                      </p:cBhvr>
+                                    </p:animEffect>
+                                  </p:childTnLst>
+                                </p:cTn>
+                              </p:par>
+                              <p:par>
+                                <p:cTn id="22" presetID="22" presetClass="entr" presetSubtype="4" fill="hold" nodeType="withEffect">
+                                  <p:stCondLst>
+                                    <p:cond delay="0"/>
+                                  </p:stCondLst>
+                                  <p:childTnLst>
+                                    <p:set>
+                                      <p:cBhvr>
+                                        <p:cTn id="23" dur="1" fill="hold">
+                                          <p:stCondLst>
+                                            <p:cond delay="0"/>
+                                          </p:stCondLst>
+                                        </p:cTn>
+                                        <p:tgtEl>
+                                          <p:spTgt spid="6">
+                                            <p:txEl>
+                                              <p:pRg st="2" end="2"/>
+                                            </p:txEl>
+                                          </p:spTgt>
+                                        </p:tgtEl>
+                                        <p:attrNameLst>
+                                          <p:attrName>style.visibility</p:attrName>
+                                        </p:attrNameLst>
+                                      </p:cBhvr>
+                                      <p:to>
+                                        <p:strVal val="visible"/>
+                                      </p:to>
+                                    </p:set>
+                                    <p:animEffect transition="in" filter="wipe(down)">
+                                      <p:cBhvr>
+                                        <p:cTn id="24" dur="500"/>
+                                        <p:tgtEl>
+                                          <p:spTgt spid="6">
+                                            <p:txEl>
+                                              <p:pRg st="2" end="2"/>
+                                            </p:txEl>
+                                          </p:spTgt>
+                                        </p:tgtEl>
+                                      </p:cBhvr>
+                                    </p:animEffect>
+                                  </p:childTnLst>
+                                </p:cTn>
+                              </p:par>
+                            </p:childTnLst>
+                          </p:cTn>
+                        </p:par>
+                      </p:childTnLst>
+                    </p:cTn>
+                  </p:par>
+                  <p:par>
+                    <p:cTn id="25" fill="hold">
+                      <p:stCondLst>
+                        <p:cond delay="indefinite"/>
+                      </p:stCondLst>
+                      <p:childTnLst>
+                        <p:par>
+                          <p:cTn id="26" fill="hold">
+                            <p:stCondLst>
+                              <p:cond delay="0"/>
+                            </p:stCondLst>
+                            <p:childTnLst>
+                              <p:par>
+                                <p:cTn id="27" presetID="22" presetClass="entr" presetSubtype="4" fill="hold" nodeType="clickEffect">
+                                  <p:stCondLst>
+                                    <p:cond delay="0"/>
+                                  </p:stCondLst>
+                                  <p:childTnLst>
+                                    <p:set>
+                                      <p:cBhvr>
+                                        <p:cTn id="28" dur="1" fill="hold">
+                                          <p:stCondLst>
+                                            <p:cond delay="0"/>
+                                          </p:stCondLst>
+                                        </p:cTn>
+                                        <p:tgtEl>
+                                          <p:spTgt spid="7">
+                                            <p:txEl>
+                                              <p:pRg st="1" end="1"/>
+                                            </p:txEl>
+                                          </p:spTgt>
+                                        </p:tgtEl>
+                                        <p:attrNameLst>
+                                          <p:attrName>style.visibility</p:attrName>
+                                        </p:attrNameLst>
+                                      </p:cBhvr>
+                                      <p:to>
+                                        <p:strVal val="visible"/>
+                                      </p:to>
+                                    </p:set>
+                                    <p:animEffect transition="in" filter="wipe(down)">
+                                      <p:cBhvr>
+                                        <p:cTn id="29" dur="500"/>
+                                        <p:tgtEl>
+                                          <p:spTgt spid="7">
+                                            <p:txEl>
+                                              <p:pRg st="1" end="1"/>
+                                            </p:txEl>
+                                          </p:spTgt>
+                                        </p:tgtEl>
+                                      </p:cBhvr>
+                                    </p:animEffect>
+                                  </p:childTnLst>
+                                </p:cTn>
+                              </p:par>
+                              <p:par>
+                                <p:cTn id="30" presetID="22" presetClass="entr" presetSubtype="4" fill="hold" nodeType="withEffect">
+                                  <p:stCondLst>
+                                    <p:cond delay="0"/>
+                                  </p:stCondLst>
+                                  <p:childTnLst>
+                                    <p:set>
+                                      <p:cBhvr>
+                                        <p:cTn id="31" dur="1" fill="hold">
+                                          <p:stCondLst>
+                                            <p:cond delay="0"/>
+                                          </p:stCondLst>
+                                        </p:cTn>
+                                        <p:tgtEl>
+                                          <p:spTgt spid="7">
+                                            <p:txEl>
+                                              <p:pRg st="2" end="2"/>
+                                            </p:txEl>
+                                          </p:spTgt>
+                                        </p:tgtEl>
+                                        <p:attrNameLst>
+                                          <p:attrName>style.visibility</p:attrName>
+                                        </p:attrNameLst>
+                                      </p:cBhvr>
+                                      <p:to>
+                                        <p:strVal val="visible"/>
+                                      </p:to>
+                                    </p:set>
+                                    <p:animEffect transition="in" filter="wipe(down)">
+                                      <p:cBhvr>
+                                        <p:cTn id="32" dur="500"/>
+                                        <p:tgtEl>
+                                          <p:spTgt spid="7">
+                                            <p:txEl>
+                                              <p:pRg st="2" end="2"/>
+                                            </p:txEl>
+                                          </p:spTgt>
+                                        </p:tgtEl>
+                                      </p:cBhvr>
+                                    </p:animEffect>
+                                  </p:childTnLst>
+                                </p:cTn>
+                              </p:par>
+                              <p:par>
+                                <p:cTn id="33" presetID="22" presetClass="entr" presetSubtype="4" fill="hold" nodeType="withEffect">
+                                  <p:stCondLst>
+                                    <p:cond delay="0"/>
+                                  </p:stCondLst>
+                                  <p:childTnLst>
+                                    <p:set>
+                                      <p:cBhvr>
+                                        <p:cTn id="34" dur="1" fill="hold">
+                                          <p:stCondLst>
+                                            <p:cond delay="0"/>
+                                          </p:stCondLst>
+                                        </p:cTn>
+                                        <p:tgtEl>
+                                          <p:spTgt spid="7">
+                                            <p:txEl>
+                                              <p:pRg st="3" end="3"/>
+                                            </p:txEl>
+                                          </p:spTgt>
+                                        </p:tgtEl>
+                                        <p:attrNameLst>
+                                          <p:attrName>style.visibility</p:attrName>
+                                        </p:attrNameLst>
+                                      </p:cBhvr>
+                                      <p:to>
+                                        <p:strVal val="visible"/>
+                                      </p:to>
+                                    </p:set>
+                                    <p:animEffect transition="in" filter="wipe(down)">
+                                      <p:cBhvr>
+                                        <p:cTn id="35" dur="500"/>
+                                        <p:tgtEl>
+                                          <p:spTgt spid="7">
+                                            <p:txEl>
+                                              <p:pRg st="3" end="3"/>
+                                            </p:txEl>
+                                          </p:spTgt>
+                                        </p:tgtEl>
+                                      </p:cBhvr>
+                                    </p:animEffect>
+                                  </p:childTnLst>
+                                </p:cTn>
+                              </p:par>
+                            </p:childTnLst>
+                          </p:cTn>
+                        </p:par>
+                      </p:childTnLst>
+                    </p:cTn>
+                  </p:par>
+                </p:childTnLst>
+              </p:cTn>
+              <p:prevCondLst>
+                <p:cond evt="onPrev" delay="0">
+                  <p:tgtEl>
+                    <p:sldTgt/>
+                  </p:tgtEl>
+                </p:cond>
+              </p:prevCondLst>
+              <p:nextCondLst>
+                <p:cond evt="onNext" delay="0">
+                  <p:tgtEl>
+                    <p:sldTgt/>
+                  </p:tgtEl>
+                </p:cond>
+              </p:nextCondLst>
+            </p:seq>
+          </p:childTnLst>
+        </p:cTn>
       </p:par>
     </p:tnLst>
   </p:timing>
@@ -6953,17 +7418,45 @@
         <p:spPr/>
         <p:txBody>
           <a:bodyPr>
-            <a:normAutofit fontScale="92500" lnSpcReduction="10000"/>
+            <a:normAutofit fontScale="85000" lnSpcReduction="10000"/>
           </a:bodyPr>
           <a:lstStyle/>
           <a:p>
             <a:r>
+              <a:rPr lang="ko-KR" altLang="en-US" dirty="0" err="1" smtClean="0"/>
+              <a:t>클라우드</a:t>
+            </a:r>
+            <a:r>
+              <a:rPr lang="en-US" altLang="ko-KR" dirty="0" smtClean="0"/>
+              <a:t>, </a:t>
+            </a:r>
+            <a:r>
+              <a:rPr lang="ko-KR" altLang="en-US" dirty="0" smtClean="0"/>
+              <a:t>웹</a:t>
+            </a:r>
+            <a:r>
+              <a:rPr lang="en-US" altLang="ko-KR" dirty="0" smtClean="0"/>
+              <a:t>, </a:t>
+            </a:r>
+            <a:r>
+              <a:rPr lang="ko-KR" altLang="en-US" dirty="0" err="1" smtClean="0"/>
+              <a:t>모바일</a:t>
+            </a:r>
+            <a:r>
+              <a:rPr lang="ko-KR" altLang="en-US" dirty="0" smtClean="0"/>
+              <a:t> 컴퓨팅의 발전</a:t>
+            </a:r>
+            <a:endParaRPr lang="en-US" altLang="ko-KR" dirty="0" smtClean="0"/>
+          </a:p>
+          <a:p>
+            <a:pPr lvl="1"/>
+            <a:r>
               <a:rPr lang="en-US" altLang="ko-KR" dirty="0" smtClean="0"/>
               <a:t>N </a:t>
             </a:r>
             <a:r>
               <a:rPr lang="ko-KR" altLang="en-US" dirty="0" smtClean="0"/>
-              <a:t>스크린</a:t>
+              <a:t>스크린 </a:t>
             </a:r>
             <a:r>
               <a:rPr lang="en-US" altLang="ko-KR" dirty="0" smtClean="0"/>
@@ -6972,19 +7465,7 @@
             <a:endParaRPr lang="en-US" altLang="ko-KR" dirty="0" smtClean="0"/>
           </a:p>
           <a:p>
-            <a:pPr lvl="1"/>
-            <a:r>
-              <a:rPr lang="en-US" altLang="ko-KR" dirty="0" smtClean="0"/>
-              <a:t>N </a:t>
-            </a:r>
-            <a:r>
-              <a:rPr lang="ko-KR" altLang="en-US" dirty="0" smtClean="0"/>
-              <a:t>개의 스크린</a:t>
-            </a:r>
-            <a:endParaRPr lang="en-US" altLang="ko-KR" dirty="0" smtClean="0"/>
-          </a:p>
-          <a:p>
-            <a:pPr lvl="1"/>
+            <a:pPr lvl="2"/>
             <a:r>
               <a:rPr lang="ko-KR" altLang="en-US" dirty="0" err="1" smtClean="0"/>
               <a:t>데스크탑</a:t>
@@ -7009,23 +7490,90 @@
               <a:rPr lang="en-US" altLang="ko-KR" dirty="0" smtClean="0"/>
               <a:t>, </a:t>
             </a:r>
+          </a:p>
+          <a:p>
             <a:endParaRPr lang="en-US" altLang="ko-KR" dirty="0" smtClean="0"/>
           </a:p>
           <a:p>
+            <a:r>
+              <a:rPr lang="ko-KR" altLang="en-US" dirty="0" smtClean="0"/>
+              <a:t>프로젝트 </a:t>
+            </a:r>
+            <a:r>
+              <a:rPr lang="ko-KR" altLang="en-US" dirty="0" err="1" smtClean="0"/>
+              <a:t>매니지</a:t>
+            </a:r>
+            <a:r>
+              <a:rPr lang="ko-KR" altLang="en-US" dirty="0" smtClean="0"/>
+              <a:t> </a:t>
+            </a:r>
+            <a:r>
+              <a:rPr lang="ko-KR" altLang="en-US" dirty="0" err="1" smtClean="0"/>
+              <a:t>먼트</a:t>
+            </a:r>
+            <a:r>
+              <a:rPr lang="en-US" altLang="ko-KR" dirty="0" smtClean="0"/>
+              <a:t> </a:t>
+            </a:r>
             <a:endParaRPr lang="en-US" altLang="ko-KR" dirty="0" smtClean="0"/>
           </a:p>
           <a:p>
+            <a:pPr lvl="1"/>
+            <a:r>
+              <a:rPr lang="ko-KR" altLang="en-US" dirty="0" smtClean="0"/>
+              <a:t>직관적</a:t>
+            </a:r>
             <a:r>
               <a:rPr lang="en-US" altLang="ko-KR" dirty="0" smtClean="0"/>
-              <a:t>HTML5 </a:t>
-            </a:r>
+              <a:t>, </a:t>
+            </a:r>
+            <a:r>
+              <a:rPr lang="ko-KR" altLang="en-US" dirty="0" smtClean="0"/>
+              <a:t>쉽고</a:t>
+            </a:r>
+            <a:r>
+              <a:rPr lang="en-US" altLang="ko-KR" dirty="0" smtClean="0"/>
+              <a:t>, </a:t>
+            </a:r>
+            <a:r>
+              <a:rPr lang="ko-KR" altLang="en-US" dirty="0" smtClean="0"/>
+              <a:t>실시간</a:t>
+            </a:r>
+            <a:r>
+              <a:rPr lang="en-US" altLang="ko-KR" dirty="0" smtClean="0"/>
+              <a:t>, </a:t>
+            </a:r>
+            <a:r>
+              <a:rPr lang="ko-KR" altLang="en-US" dirty="0" err="1" smtClean="0"/>
+              <a:t>소셜</a:t>
+            </a:r>
+            <a:r>
+              <a:rPr lang="en-US" altLang="ko-KR" dirty="0" smtClean="0"/>
+              <a:t>, </a:t>
+            </a:r>
+            <a:r>
+              <a:rPr lang="ko-KR" altLang="en-US" dirty="0" err="1" smtClean="0"/>
+              <a:t>클라우드</a:t>
+            </a:r>
+            <a:endParaRPr lang="en-US" altLang="ko-KR" dirty="0"/>
           </a:p>
           <a:p>
             <a:pPr lvl="1"/>
             <a:r>
+              <a:rPr lang="ko-KR" altLang="en-US" dirty="0" smtClean="0"/>
+              <a:t>다양한 기기에서 동일한 화면 접근 가능</a:t>
+            </a:r>
+            <a:endParaRPr lang="en-US" altLang="ko-KR" dirty="0" smtClean="0"/>
+          </a:p>
+          <a:p>
+            <a:pPr marL="448056" lvl="1" indent="0">
+              <a:buNone/>
+            </a:pPr>
+            <a:r>
               <a:rPr lang="en-US" altLang="ko-KR" dirty="0" smtClean="0"/>
-              <a:t>W3C </a:t>
-            </a:r>
+              <a:t> </a:t>
+            </a:r>
+            <a:endParaRPr lang="en-US" altLang="ko-KR" dirty="0" smtClean="0"/>
           </a:p>
           <a:p>
             <a:pPr lvl="1"/>
@@ -7164,6 +7712,9 @@
                     <p:cTn id="3" fill="hold">
                       <p:stCondLst>
                         <p:cond delay="indefinite"/>
+                        <p:cond evt="onBegin" delay="0">
+                          <p:tn val="2"/>
+                        </p:cond>
                       </p:stCondLst>
                       <p:childTnLst>
                         <p:par>
@@ -7173,7 +7724,7 @@
                             </p:stCondLst>
                             <p:childTnLst>
                               <p:par>
-                                <p:cTn id="5" presetID="47" presetClass="entr" presetSubtype="0" fill="hold" nodeType="clickEffect">
+                                <p:cTn id="5" presetID="47" presetClass="entr" presetSubtype="0" fill="hold" nodeType="withEffect">
                                   <p:stCondLst>
                                     <p:cond delay="0"/>
                                   </p:stCondLst>
@@ -7181,6 +7732,103 @@
                                     <p:set>
                                       <p:cBhvr>
                                         <p:cTn id="6" dur="1" fill="hold">
+                                          <p:stCondLst>
+                                            <p:cond delay="0"/>
+                                          </p:stCondLst>
+                                        </p:cTn>
+                                        <p:tgtEl>
+                                          <p:spTgt spid="3">
+                                            <p:txEl>
+                                              <p:pRg st="1" end="1"/>
+                                            </p:txEl>
+                                          </p:spTgt>
+                                        </p:tgtEl>
+                                        <p:attrNameLst>
+                                          <p:attrName>style.visibility</p:attrName>
+                                        </p:attrNameLst>
+                                      </p:cBhvr>
+                                      <p:to>
+                                        <p:strVal val="visible"/>
+                                      </p:to>
+                                    </p:set>
+                                    <p:animEffect transition="in" filter="fade">
+                                      <p:cBhvr>
+                                        <p:cTn id="7" dur="500"/>
+                                        <p:tgtEl>
+                                          <p:spTgt spid="3">
+                                            <p:txEl>
+                                              <p:pRg st="1" end="1"/>
+                                            </p:txEl>
+                                          </p:spTgt>
+                                        </p:tgtEl>
+                                      </p:cBhvr>
+                                    </p:animEffect>
+                                    <p:anim calcmode="lin" valueType="num">
+                                      <p:cBhvr>
+                                        <p:cTn id="8" dur="500" fill="hold"/>
+                                        <p:tgtEl>
+                                          <p:spTgt spid="3">
+                                            <p:txEl>
+                                              <p:pRg st="1" end="1"/>
+                                            </p:txEl>
+                                          </p:spTgt>
+                                        </p:tgtEl>
+                                        <p:attrNameLst>
+                                          <p:attrName>ppt_x</p:attrName>
+                                        </p:attrNameLst>
+                                      </p:cBhvr>
+                                      <p:tavLst>
+                                        <p:tav tm="0">
+                                          <p:val>
+                                            <p:strVal val="#ppt_x"/>
+                                          </p:val>
+                                        </p:tav>
+                                        <p:tav tm="100000">
+                                          <p:val>
+                                            <p:strVal val="#ppt_x"/>
+                                          </p:val>
+                                        </p:tav>
+                                      </p:tavLst>
+                                    </p:anim>
+                                    <p:anim calcmode="lin" valueType="num">
+                                      <p:cBhvr>
+                                        <p:cTn id="9" dur="500" fill="hold"/>
+                                        <p:tgtEl>
+                                          <p:spTgt spid="3">
+                                            <p:txEl>
+                                              <p:pRg st="1" end="1"/>
+                                            </p:txEl>
+                                          </p:spTgt>
+                                        </p:tgtEl>
+                                        <p:attrNameLst>
+                                          <p:attrName>ppt_y</p:attrName>
+                                        </p:attrNameLst>
+                                      </p:cBhvr>
+                                      <p:tavLst>
+                                        <p:tav tm="0">
+                                          <p:val>
+                                            <p:strVal val="#ppt_y-.1"/>
+                                          </p:val>
+                                        </p:tav>
+                                        <p:tav tm="100000">
+                                          <p:val>
+                                            <p:strVal val="#ppt_y"/>
+                                          </p:val>
+                                        </p:tav>
+                                      </p:tavLst>
+                                    </p:anim>
+                                  </p:childTnLst>
+                                </p:cTn>
+                              </p:par>
+                              <p:par>
+                                <p:cTn id="10" presetID="47" presetClass="entr" presetSubtype="0" fill="hold" nodeType="withEffect">
+                                  <p:stCondLst>
+                                    <p:cond delay="0"/>
+                                  </p:stCondLst>
+                                  <p:childTnLst>
+                                    <p:set>
+                                      <p:cBhvr>
+                                        <p:cTn id="11" dur="1" fill="hold">
                                           <p:stCondLst>
                                             <p:cond delay="0"/>
                                           </p:stCondLst>
@@ -7202,7 +7850,7 @@
                                     </p:set>
                                     <p:animEffect transition="in" filter="fade">
                                       <p:cBhvr>
-                                        <p:cTn id="7" dur="500"/>
+                                        <p:cTn id="12" dur="500"/>
                                         <p:tgtEl>
                                           <p:spTgt spid="3">
                                             <p:txEl>
@@ -7214,7 +7862,7 @@
                                     </p:animEffect>
                                     <p:anim calcmode="lin" valueType="num">
                                       <p:cBhvr>
-                                        <p:cTn id="8" dur="500" fill="hold"/>
+                                        <p:cTn id="13" dur="500" fill="hold"/>
                                         <p:tgtEl>
                                           <p:spTgt spid="3">
                                             <p:txEl>
@@ -7241,7 +7889,7 @@
                                     </p:anim>
                                     <p:anim calcmode="lin" valueType="num">
                                       <p:cBhvr>
-                                        <p:cTn id="9" dur="500" fill="hold"/>
+                                        <p:cTn id="14" dur="500" fill="hold"/>
                                         <p:tgtEl>
                                           <p:spTgt spid="3">
                                             <p:txEl>
@@ -7269,148 +7917,15 @@
                                   </p:childTnLst>
                                 </p:cTn>
                               </p:par>
-                            </p:childTnLst>
-                          </p:cTn>
-                        </p:par>
-                      </p:childTnLst>
-                    </p:cTn>
-                  </p:par>
-                  <p:par>
-                    <p:cTn id="10" fill="hold">
-                      <p:stCondLst>
-                        <p:cond delay="indefinite"/>
-                      </p:stCondLst>
-                      <p:childTnLst>
-                        <p:par>
-                          <p:cTn id="11" fill="hold">
-                            <p:stCondLst>
-                              <p:cond delay="0"/>
-                            </p:stCondLst>
-                            <p:childTnLst>
                               <p:par>
-                                <p:cTn id="12" presetID="47" presetClass="entr" presetSubtype="0" fill="hold" nodeType="clickEffect">
+                                <p:cTn id="15" presetID="47" presetClass="entr" presetSubtype="0" fill="hold" nodeType="withEffect">
                                   <p:stCondLst>
                                     <p:cond delay="0"/>
                                   </p:stCondLst>
                                   <p:childTnLst>
                                     <p:set>
                                       <p:cBhvr>
-                                        <p:cTn id="13" dur="1" fill="hold">
-                                          <p:stCondLst>
-                                            <p:cond delay="0"/>
-                                          </p:stCondLst>
-                                        </p:cTn>
-                                        <p:tgtEl>
-                                          <p:spTgt spid="3">
-                                            <p:txEl>
-                                              <p:pRg st="1" end="1"/>
-                                            </p:txEl>
-                                          </p:spTgt>
-                                        </p:tgtEl>
-                                        <p:attrNameLst>
-                                          <p:attrName>style.visibility</p:attrName>
-                                        </p:attrNameLst>
-                                      </p:cBhvr>
-                                      <p:to>
-                                        <p:strVal val="visible"/>
-                                      </p:to>
-                                    </p:set>
-                                    <p:animEffect transition="in" filter="fade">
-                                      <p:cBhvr>
-                                        <p:cTn id="14" dur="500"/>
-                                        <p:tgtEl>
-                                          <p:spTgt spid="3">
-                                            <p:txEl>
-                                              <p:pRg st="1" end="1"/>
-                                            </p:txEl>
-                                          </p:spTgt>
-                                        </p:tgtEl>
-                                      </p:cBhvr>
-                                    </p:animEffect>
-                                    <p:anim calcmode="lin" valueType="num">
-                                      <p:cBhvr>
-                                        <p:cTn id="15" dur="500" fill="hold"/>
-                                        <p:tgtEl>
-                                          <p:spTgt spid="3">
-                                            <p:txEl>
-                                              <p:pRg st="1" end="1"/>
-                                            </p:txEl>
-                                          </p:spTgt>
-                                        </p:tgtEl>
-                                        <p:attrNameLst>
-                                          <p:attrName>ppt_x</p:attrName>
-                                        </p:attrNameLst>
-                                      </p:cBhvr>
-                                      <p:tavLst>
-                                        <p:tav tm="0">
-                                          <p:val>
-                                            <p:strVal val="#ppt_x"/>
-                                          </p:val>
-                                        </p:tav>
-                                        <p:tav tm="100000">
-                                          <p:val>
-                                            <p:strVal val="#ppt_x"/>
-                                          </p:val>
-                                        </p:tav>
-                                      </p:tavLst>
-                                    </p:anim>
-                                    <p:anim calcmode="lin" valueType="num">
-                                      <p:cBhvr>
-                                        <p:cTn id="16" dur="500" fill="hold"/>
-                                        <p:tgtEl>
-                                          <p:spTgt spid="3">
-                                            <p:txEl>
-                                              <p:pRg st="1" end="1"/>
-                                            </p:txEl>
-                                          </p:spTgt>
-                                        </p:tgtEl>
-                                        <p:attrNameLst>
-                                          <p:attrName>ppt_y</p:attrName>
-                                        </p:attrNameLst>
-                                      </p:cBhvr>
-                                      <p:tavLst>
-                                        <p:tav tm="0">
-                                          <p:val>
-                                            <p:strVal val="#ppt_y-.1"/>
-                                          </p:val>
-                                        </p:tav>
-                                        <p:tav tm="100000">
-                                          <p:val>
-                                            <p:strVal val="#ppt_y"/>
-                                          </p:val>
-                                        </p:tav>
-                                      </p:tavLst>
-                                    </p:anim>
-                                  </p:childTnLst>
-                                </p:cTn>
-                              </p:par>
-                            </p:childTnLst>
-                          </p:cTn>
-                        </p:par>
-                      </p:childTnLst>
-                    </p:cTn>
-                  </p:par>
-                  <p:par>
-                    <p:cTn id="17" fill="hold">
-                      <p:stCondLst>
-                        <p:cond delay="indefinite"/>
-                      </p:stCondLst>
-                      <p:childTnLst>
-                        <p:par>
-                          <p:cTn id="18" fill="hold">
-                            <p:stCondLst>
-                              <p:cond delay="0"/>
-                            </p:stCondLst>
-                            <p:childTnLst>
-                              <p:par>
-                                <p:cTn id="19" presetID="47" presetClass="entr" presetSubtype="0" fill="hold" nodeType="clickEffect">
-                                  <p:stCondLst>
-                                    <p:cond delay="0"/>
-                                  </p:stCondLst>
-                                  <p:childTnLst>
-                                    <p:set>
-                                      <p:cBhvr>
-                                        <p:cTn id="20" dur="1" fill="hold">
+                                        <p:cTn id="16" dur="1" fill="hold">
                                           <p:stCondLst>
                                             <p:cond delay="0"/>
                                           </p:stCondLst>
@@ -7432,7 +7947,7 @@
                                     </p:set>
                                     <p:animEffect transition="in" filter="fade">
                                       <p:cBhvr>
-                                        <p:cTn id="21" dur="500"/>
+                                        <p:cTn id="17" dur="500"/>
                                         <p:tgtEl>
                                           <p:spTgt spid="3">
                                             <p:txEl>
@@ -7444,7 +7959,7 @@
                                     </p:animEffect>
                                     <p:anim calcmode="lin" valueType="num">
                                       <p:cBhvr>
-                                        <p:cTn id="22" dur="500" fill="hold"/>
+                                        <p:cTn id="18" dur="500" fill="hold"/>
                                         <p:tgtEl>
                                           <p:spTgt spid="3">
                                             <p:txEl>
@@ -7471,7 +7986,7 @@
                                     </p:anim>
                                     <p:anim calcmode="lin" valueType="num">
                                       <p:cBhvr>
-                                        <p:cTn id="23" dur="500" fill="hold"/>
+                                        <p:cTn id="19" dur="500" fill="hold"/>
                                         <p:tgtEl>
                                           <p:spTgt spid="3">
                                             <p:txEl>
@@ -7506,26 +8021,26 @@
                     </p:cTn>
                   </p:par>
                   <p:par>
-                    <p:cTn id="24" fill="hold">
+                    <p:cTn id="20" fill="hold">
                       <p:stCondLst>
                         <p:cond delay="indefinite"/>
                       </p:stCondLst>
                       <p:childTnLst>
                         <p:par>
-                          <p:cTn id="25" fill="hold">
+                          <p:cTn id="21" fill="hold">
                             <p:stCondLst>
                               <p:cond delay="0"/>
                             </p:stCondLst>
                             <p:childTnLst>
                               <p:par>
-                                <p:cTn id="26" presetID="47" presetClass="entr" presetSubtype="0" fill="hold" nodeType="clickEffect">
+                                <p:cTn id="22" presetID="47" presetClass="entr" presetSubtype="0" fill="hold" nodeType="clickEffect">
                                   <p:stCondLst>
                                     <p:cond delay="0"/>
                                   </p:stCondLst>
                                   <p:childTnLst>
                                     <p:set>
                                       <p:cBhvr>
-                                        <p:cTn id="27" dur="1" fill="hold">
+                                        <p:cTn id="23" dur="1" fill="hold">
                                           <p:stCondLst>
                                             <p:cond delay="0"/>
                                           </p:stCondLst>
@@ -7547,7 +8062,7 @@
                                     </p:set>
                                     <p:animEffect transition="in" filter="fade">
                                       <p:cBhvr>
-                                        <p:cTn id="28" dur="1000"/>
+                                        <p:cTn id="24" dur="1000"/>
                                         <p:tgtEl>
                                           <p:spTgt spid="3">
                                             <p:txEl>
@@ -7559,7 +8074,7 @@
                                     </p:animEffect>
                                     <p:anim calcmode="lin" valueType="num">
                                       <p:cBhvr>
-                                        <p:cTn id="29" dur="1000" fill="hold"/>
+                                        <p:cTn id="25" dur="1000" fill="hold"/>
                                         <p:tgtEl>
                                           <p:spTgt spid="3">
                                             <p:txEl>
@@ -7586,7 +8101,7 @@
                                     </p:anim>
                                     <p:anim calcmode="lin" valueType="num">
                                       <p:cBhvr>
-                                        <p:cTn id="30" dur="1000" fill="hold"/>
+                                        <p:cTn id="26" dur="1000" fill="hold"/>
                                         <p:tgtEl>
                                           <p:spTgt spid="3">
                                             <p:txEl>
@@ -7615,14 +8130,14 @@
                                 </p:cTn>
                               </p:par>
                               <p:par>
-                                <p:cTn id="31" presetID="47" presetClass="entr" presetSubtype="0" fill="hold" nodeType="withEffect">
+                                <p:cTn id="27" presetID="47" presetClass="entr" presetSubtype="0" fill="hold" nodeType="withEffect">
                                   <p:stCondLst>
                                     <p:cond delay="0"/>
                                   </p:stCondLst>
                                   <p:childTnLst>
                                     <p:set>
                                       <p:cBhvr>
-                                        <p:cTn id="32" dur="1" fill="hold">
+                                        <p:cTn id="28" dur="1" fill="hold">
                                           <p:stCondLst>
                                             <p:cond delay="0"/>
                                           </p:stCondLst>
@@ -7644,7 +8159,7 @@
                                     </p:set>
                                     <p:animEffect transition="in" filter="fade">
                                       <p:cBhvr>
-                                        <p:cTn id="33" dur="1000"/>
+                                        <p:cTn id="29" dur="1000"/>
                                         <p:tgtEl>
                                           <p:spTgt spid="3">
                                             <p:txEl>
@@ -7656,7 +8171,7 @@
                                     </p:animEffect>
                                     <p:anim calcmode="lin" valueType="num">
                                       <p:cBhvr>
-                                        <p:cTn id="34" dur="1000" fill="hold"/>
+                                        <p:cTn id="30" dur="1000" fill="hold"/>
                                         <p:tgtEl>
                                           <p:spTgt spid="3">
                                             <p:txEl>
@@ -7683,7 +8198,7 @@
                                     </p:anim>
                                     <p:anim calcmode="lin" valueType="num">
                                       <p:cBhvr>
-                                        <p:cTn id="35" dur="1000" fill="hold"/>
+                                        <p:cTn id="31" dur="1000" fill="hold"/>
                                         <p:tgtEl>
                                           <p:spTgt spid="3">
                                             <p:txEl>
@@ -7711,33 +8226,112 @@
                                   </p:childTnLst>
                                 </p:cTn>
                               </p:par>
-                            </p:childTnLst>
-                          </p:cTn>
-                        </p:par>
-                      </p:childTnLst>
-                    </p:cTn>
-                  </p:par>
-                  <p:par>
-                    <p:cTn id="36" fill="hold">
-                      <p:stCondLst>
-                        <p:cond delay="indefinite"/>
-                      </p:stCondLst>
-                      <p:childTnLst>
-                        <p:par>
-                          <p:cTn id="37" fill="hold">
-                            <p:stCondLst>
-                              <p:cond delay="0"/>
-                            </p:stCondLst>
-                            <p:childTnLst>
                               <p:par>
-                                <p:cTn id="38" presetID="47" presetClass="entr" presetSubtype="0" fill="hold" nodeType="clickEffect">
+                                <p:cTn id="32" presetID="47" presetClass="entr" presetSubtype="0" fill="hold" nodeType="withEffect">
                                   <p:stCondLst>
                                     <p:cond delay="0"/>
                                   </p:stCondLst>
                                   <p:childTnLst>
                                     <p:set>
                                       <p:cBhvr>
-                                        <p:cTn id="39" dur="1" fill="hold">
+                                        <p:cTn id="33" dur="1" fill="hold">
+                                          <p:stCondLst>
+                                            <p:cond delay="0"/>
+                                          </p:stCondLst>
+                                        </p:cTn>
+                                        <p:tgtEl>
+                                          <p:spTgt spid="3">
+                                            <p:txEl>
+                                              <p:pRg st="6" end="6"/>
+                                            </p:txEl>
+                                          </p:spTgt>
+                                        </p:tgtEl>
+                                        <p:attrNameLst>
+                                          <p:attrName>style.visibility</p:attrName>
+                                        </p:attrNameLst>
+                                      </p:cBhvr>
+                                      <p:to>
+                                        <p:strVal val="visible"/>
+                                      </p:to>
+                                    </p:set>
+                                    <p:animEffect transition="in" filter="fade">
+                                      <p:cBhvr>
+                                        <p:cTn id="34" dur="1000"/>
+                                        <p:tgtEl>
+                                          <p:spTgt spid="3">
+                                            <p:txEl>
+                                              <p:pRg st="6" end="6"/>
+                                            </p:txEl>
+                                          </p:spTgt>
+                                        </p:tgtEl>
+                                      </p:cBhvr>
+                                    </p:animEffect>
+                                    <p:anim calcmode="lin" valueType="num">
+                                      <p:cBhvr>
+                                        <p:cTn id="35" dur="1000" fill="hold"/>
+                                        <p:tgtEl>
+                                          <p:spTgt spid="3">
+                                            <p:txEl>
+                                              <p:pRg st="6" end="6"/>
+                                            </p:txEl>
+                                          </p:spTgt>
+                                        </p:tgtEl>
+                                        <p:attrNameLst>
+                                          <p:attrName>ppt_x</p:attrName>
+                                        </p:attrNameLst>
+                                      </p:cBhvr>
+                                      <p:tavLst>
+                                        <p:tav tm="0">
+                                          <p:val>
+                                            <p:strVal val="#ppt_x"/>
+                                          </p:val>
+                                        </p:tav>
+                                        <p:tav tm="100000">
+                                          <p:val>
+                                            <p:strVal val="#ppt_x"/>
+                                          </p:val>
+                                        </p:tav>
+                                      </p:tavLst>
+                                    </p:anim>
+                                    <p:anim calcmode="lin" valueType="num">
+                                      <p:cBhvr>
+                                        <p:cTn id="36" dur="1000" fill="hold"/>
+                                        <p:tgtEl>
+                                          <p:spTgt spid="3">
+                                            <p:txEl>
+                                              <p:pRg st="6" end="6"/>
+                                            </p:txEl>
+                                          </p:spTgt>
+                                        </p:tgtEl>
+                                        <p:attrNameLst>
+                                          <p:attrName>ppt_y</p:attrName>
+                                        </p:attrNameLst>
+                                      </p:cBhvr>
+                                      <p:tavLst>
+                                        <p:tav tm="0">
+                                          <p:val>
+                                            <p:strVal val="#ppt_y-.1"/>
+                                          </p:val>
+                                        </p:tav>
+                                        <p:tav tm="100000">
+                                          <p:val>
+                                            <p:strVal val="#ppt_y"/>
+                                          </p:val>
+                                        </p:tav>
+                                      </p:tavLst>
+                                    </p:anim>
+                                  </p:childTnLst>
+                                </p:cTn>
+                              </p:par>
+                              <p:par>
+                                <p:cTn id="37" presetID="47" presetClass="entr" presetSubtype="0" fill="hold" nodeType="withEffect">
+                                  <p:stCondLst>
+                                    <p:cond delay="0"/>
+                                  </p:stCondLst>
+                                  <p:childTnLst>
+                                    <p:set>
+                                      <p:cBhvr>
+                                        <p:cTn id="38" dur="1" fill="hold">
                                           <p:stCondLst>
                                             <p:cond delay="0"/>
                                           </p:stCondLst>
@@ -7759,7 +8353,7 @@
                                     </p:set>
                                     <p:animEffect transition="in" filter="fade">
                                       <p:cBhvr>
-                                        <p:cTn id="40" dur="500"/>
+                                        <p:cTn id="39" dur="1000"/>
                                         <p:tgtEl>
                                           <p:spTgt spid="3">
                                             <p:txEl>
@@ -7771,7 +8365,7 @@
                                     </p:animEffect>
                                     <p:anim calcmode="lin" valueType="num">
                                       <p:cBhvr>
-                                        <p:cTn id="41" dur="500" fill="hold"/>
+                                        <p:cTn id="40" dur="1000" fill="hold"/>
                                         <p:tgtEl>
                                           <p:spTgt spid="3">
                                             <p:txEl>
@@ -7798,7 +8392,7 @@
                                     </p:anim>
                                     <p:anim calcmode="lin" valueType="num">
                                       <p:cBhvr>
-                                        <p:cTn id="42" dur="500" fill="hold"/>
+                                        <p:cTn id="41" dur="1000" fill="hold"/>
                                         <p:tgtEl>
                                           <p:spTgt spid="3">
                                             <p:txEl>
@@ -7833,26 +8427,26 @@
                     </p:cTn>
                   </p:par>
                   <p:par>
-                    <p:cTn id="43" fill="hold">
+                    <p:cTn id="42" fill="hold">
                       <p:stCondLst>
                         <p:cond delay="indefinite"/>
                       </p:stCondLst>
                       <p:childTnLst>
                         <p:par>
-                          <p:cTn id="44" fill="hold">
+                          <p:cTn id="43" fill="hold">
                             <p:stCondLst>
                               <p:cond delay="0"/>
                             </p:stCondLst>
                             <p:childTnLst>
                               <p:par>
-                                <p:cTn id="45" presetID="47" presetClass="entr" presetSubtype="0" fill="hold" nodeType="clickEffect">
+                                <p:cTn id="44" presetID="47" presetClass="entr" presetSubtype="0" fill="hold" nodeType="clickEffect">
                                   <p:stCondLst>
                                     <p:cond delay="0"/>
                                   </p:stCondLst>
                                   <p:childTnLst>
                                     <p:set>
                                       <p:cBhvr>
-                                        <p:cTn id="46" dur="1" fill="hold">
+                                        <p:cTn id="45" dur="1" fill="hold">
                                           <p:stCondLst>
                                             <p:cond delay="0"/>
                                           </p:stCondLst>
@@ -7860,7 +8454,7 @@
                                         <p:tgtEl>
                                           <p:spTgt spid="3">
                                             <p:txEl>
-                                              <p:pRg st="8" end="8"/>
+                                              <p:pRg st="9" end="9"/>
                                             </p:txEl>
                                           </p:spTgt>
                                         </p:tgtEl>
@@ -7874,11 +8468,11 @@
                                     </p:set>
                                     <p:animEffect transition="in" filter="fade">
                                       <p:cBhvr>
-                                        <p:cTn id="47" dur="500"/>
+                                        <p:cTn id="46" dur="500"/>
                                         <p:tgtEl>
                                           <p:spTgt spid="3">
                                             <p:txEl>
-                                              <p:pRg st="8" end="8"/>
+                                              <p:pRg st="9" end="9"/>
                                             </p:txEl>
                                           </p:spTgt>
                                         </p:tgtEl>
@@ -7886,11 +8480,11 @@
                                     </p:animEffect>
                                     <p:anim calcmode="lin" valueType="num">
                                       <p:cBhvr>
-                                        <p:cTn id="48" dur="500" fill="hold"/>
+                                        <p:cTn id="47" dur="500" fill="hold"/>
                                         <p:tgtEl>
                                           <p:spTgt spid="3">
                                             <p:txEl>
-                                              <p:pRg st="8" end="8"/>
+                                              <p:pRg st="9" end="9"/>
                                             </p:txEl>
                                           </p:spTgt>
                                         </p:tgtEl>
@@ -7913,11 +8507,108 @@
                                     </p:anim>
                                     <p:anim calcmode="lin" valueType="num">
                                       <p:cBhvr>
-                                        <p:cTn id="49" dur="500" fill="hold"/>
+                                        <p:cTn id="48" dur="500" fill="hold"/>
                                         <p:tgtEl>
                                           <p:spTgt spid="3">
                                             <p:txEl>
-                                              <p:pRg st="8" end="8"/>
+                                              <p:pRg st="9" end="9"/>
+                                            </p:txEl>
+                                          </p:spTgt>
+                                        </p:tgtEl>
+                                        <p:attrNameLst>
+                                          <p:attrName>ppt_y</p:attrName>
+                                        </p:attrNameLst>
+                                      </p:cBhvr>
+                                      <p:tavLst>
+                                        <p:tav tm="0">
+                                          <p:val>
+                                            <p:strVal val="#ppt_y-.1"/>
+                                          </p:val>
+                                        </p:tav>
+                                        <p:tav tm="100000">
+                                          <p:val>
+                                            <p:strVal val="#ppt_y"/>
+                                          </p:val>
+                                        </p:tav>
+                                      </p:tavLst>
+                                    </p:anim>
+                                  </p:childTnLst>
+                                </p:cTn>
+                              </p:par>
+                              <p:par>
+                                <p:cTn id="49" presetID="47" presetClass="entr" presetSubtype="0" fill="hold" nodeType="withEffect">
+                                  <p:stCondLst>
+                                    <p:cond delay="0"/>
+                                  </p:stCondLst>
+                                  <p:childTnLst>
+                                    <p:set>
+                                      <p:cBhvr>
+                                        <p:cTn id="50" dur="1" fill="hold">
+                                          <p:stCondLst>
+                                            <p:cond delay="0"/>
+                                          </p:stCondLst>
+                                        </p:cTn>
+                                        <p:tgtEl>
+                                          <p:spTgt spid="3">
+                                            <p:txEl>
+                                              <p:pRg st="10" end="10"/>
+                                            </p:txEl>
+                                          </p:spTgt>
+                                        </p:tgtEl>
+                                        <p:attrNameLst>
+                                          <p:attrName>style.visibility</p:attrName>
+                                        </p:attrNameLst>
+                                      </p:cBhvr>
+                                      <p:to>
+                                        <p:strVal val="visible"/>
+                                      </p:to>
+                                    </p:set>
+                                    <p:animEffect transition="in" filter="fade">
+                                      <p:cBhvr>
+                                        <p:cTn id="51" dur="500"/>
+                                        <p:tgtEl>
+                                          <p:spTgt spid="3">
+                                            <p:txEl>
+                                              <p:pRg st="10" end="10"/>
+                                            </p:txEl>
+                                          </p:spTgt>
+                                        </p:tgtEl>
+                                      </p:cBhvr>
+                                    </p:animEffect>
+                                    <p:anim calcmode="lin" valueType="num">
+                                      <p:cBhvr>
+                                        <p:cTn id="52" dur="500" fill="hold"/>
+                                        <p:tgtEl>
+                                          <p:spTgt spid="3">
+                                            <p:txEl>
+                                              <p:pRg st="10" end="10"/>
+                                            </p:txEl>
+                                          </p:spTgt>
+                                        </p:tgtEl>
+                                        <p:attrNameLst>
+                                          <p:attrName>ppt_x</p:attrName>
+                                        </p:attrNameLst>
+                                      </p:cBhvr>
+                                      <p:tavLst>
+                                        <p:tav tm="0">
+                                          <p:val>
+                                            <p:strVal val="#ppt_x"/>
+                                          </p:val>
+                                        </p:tav>
+                                        <p:tav tm="100000">
+                                          <p:val>
+                                            <p:strVal val="#ppt_x"/>
+                                          </p:val>
+                                        </p:tav>
+                                      </p:tavLst>
+                                    </p:anim>
+                                    <p:anim calcmode="lin" valueType="num">
+                                      <p:cBhvr>
+                                        <p:cTn id="53" dur="500" fill="hold"/>
+                                        <p:tgtEl>
+                                          <p:spTgt spid="3">
+                                            <p:txEl>
+                                              <p:pRg st="10" end="10"/>
                                             </p:txEl>
                                           </p:spTgt>
                                         </p:tgtEl>
@@ -8250,14 +8941,20 @@
       </p:sp>
       <p:pic>
         <p:nvPicPr>
-          <p:cNvPr id="1026" name="Picture 2" descr="N:\공개sw개발자대회\그림자료\시스템구조.png"/>
+          <p:cNvPr id="3" name="Picture 2" descr="C:\Users\Complete\Desktop\6회 공개SW개발자대회\최종보고\그림자료\구성도.png"/>
           <p:cNvPicPr>
             <a:picLocks noChangeAspect="1" noChangeArrowheads="1"/>
           </p:cNvPicPr>
           <p:nvPr/>
         </p:nvPicPr>
         <p:blipFill>
-          <a:blip r:embed="rId2" cstate="print"/>
+          <a:blip r:embed="rId2" cstate="print">
+            <a:extLst>
+              <a:ext uri="{28A0092B-C50C-407E-A947-70E740481C1C}">
+                <a14:useLocalDpi xmlns:a14="http://schemas.microsoft.com/office/drawing/2010/main" val="0"/>
+              </a:ext>
+            </a:extLst>
+          </a:blip>
           <a:srcRect/>
           <a:stretch>
             <a:fillRect/>
@@ -8265,13 +8962,22 @@
         </p:blipFill>
         <p:spPr bwMode="auto">
           <a:xfrm>
-            <a:off x="1331640" y="1700808"/>
-            <a:ext cx="6122640" cy="4656897"/>
+            <a:off x="827584" y="1124743"/>
+            <a:ext cx="6874050" cy="4828977"/>
           </a:xfrm>
           <a:prstGeom prst="rect">
             <a:avLst/>
           </a:prstGeom>
           <a:noFill/>
+          <a:extLst>
+            <a:ext uri="{909E8E84-426E-40DD-AFC4-6F175D3DCCD1}">
+              <a14:hiddenFill xmlns:a14="http://schemas.microsoft.com/office/drawing/2010/main">
+                <a:solidFill>
+                  <a:srgbClr val="FFFFFF"/>
+                </a:solidFill>
+              </a14:hiddenFill>
+            </a:ext>
+          </a:extLst>
         </p:spPr>
       </p:pic>
     </p:spTree>
@@ -8426,7 +9132,15 @@
             <a:pPr algn="ctr"/>
             <a:r>
               <a:rPr lang="ko-KR" altLang="en-US" sz="2000" b="1" dirty="0" smtClean="0"/>
-              <a:t>자유로운 편집 및 디자인</a:t>
+              <a:t>자유롭고</a:t>
+            </a:r>
+            <a:r>
+              <a:rPr lang="en-US" altLang="ko-KR" sz="2000" b="1" dirty="0"/>
+              <a:t> </a:t>
+            </a:r>
+            <a:r>
+              <a:rPr lang="ko-KR" altLang="en-US" sz="2000" b="1" dirty="0" smtClean="0"/>
+              <a:t>직관적인 그래픽 표현</a:t>
             </a:r>
             <a:endParaRPr lang="en-US" altLang="ko-KR" sz="2000" b="1" dirty="0" smtClean="0"/>
           </a:p>
@@ -8445,12 +9159,9 @@
             </a:r>
             <a:r>
               <a:rPr lang="ko-KR" altLang="en-US" sz="1400" dirty="0" smtClean="0"/>
-              <a:t>컴포넌트의 </a:t>
-            </a:r>
-            <a:r>
-              <a:rPr lang="en-US" altLang="ko-KR" sz="1400" dirty="0" smtClean="0"/>
-              <a:t>Drag &amp; Drop</a:t>
-            </a:r>
+              <a:t>캔버스 기능을 이용</a:t>
+            </a:r>
+            <a:endParaRPr lang="en-US" altLang="ko-KR" sz="1400" dirty="0" smtClean="0"/>
           </a:p>
           <a:p>
             <a:pPr>
@@ -8459,7 +9170,15 @@
             </a:pPr>
             <a:r>
               <a:rPr lang="ko-KR" altLang="en-US" sz="1400" dirty="0" smtClean="0"/>
-              <a:t>마우스를 이용한 크기 조절 및 자유로운 위치 변경 </a:t>
+              <a:t>마우스를 이용하여 프로젝트 참여자들이 </a:t>
+            </a:r>
+            <a:r>
+              <a:rPr lang="ko-KR" altLang="en-US" sz="1400" dirty="0" err="1" smtClean="0"/>
+              <a:t>해야할</a:t>
+            </a:r>
+            <a:r>
+              <a:rPr lang="ko-KR" altLang="en-US" sz="1400" dirty="0" smtClean="0"/>
+              <a:t> 일을 자유롭게 연결 </a:t>
             </a:r>
             <a:endParaRPr lang="ko-KR" altLang="en-US" sz="1400" dirty="0"/>
           </a:p>
@@ -8501,19 +9220,7 @@
             <a:pPr algn="ctr"/>
             <a:r>
               <a:rPr lang="ko-KR" altLang="en-US" sz="2000" b="1" dirty="0" smtClean="0"/>
-              <a:t>직관적이고 표준화된 </a:t>
-            </a:r>
-            <a:endParaRPr lang="en-US" altLang="ko-KR" sz="2000" b="1" dirty="0" smtClean="0"/>
-          </a:p>
-          <a:p>
-            <a:pPr algn="ctr"/>
-            <a:r>
-              <a:rPr lang="en-US" altLang="ko-KR" sz="2000" b="1" dirty="0" smtClean="0"/>
-              <a:t>HTML </a:t>
-            </a:r>
-            <a:r>
-              <a:rPr lang="ko-KR" altLang="en-US" sz="2000" b="1" dirty="0" smtClean="0"/>
-              <a:t>태그 변환</a:t>
+              <a:t>기존 프로젝트 툴과의 호환</a:t>
             </a:r>
             <a:endParaRPr lang="en-US" altLang="ko-KR" sz="2000" b="1" dirty="0" smtClean="0"/>
           </a:p>
@@ -8527,106 +9234,29 @@
               <a:buChar char="ü"/>
             </a:pPr>
             <a:r>
-              <a:rPr lang="ko-KR" altLang="en-US" sz="1400" dirty="0" smtClean="0"/>
-              <a:t>디자인된 화면의 크기와 위치가 똑같은 형태로 </a:t>
-            </a:r>
-            <a:r>
-              <a:rPr lang="en-US" altLang="ko-KR" sz="1400" dirty="0" smtClean="0"/>
-              <a:t>HTML </a:t>
-            </a:r>
-            <a:r>
-              <a:rPr lang="ko-KR" altLang="en-US" sz="1400" dirty="0" smtClean="0"/>
-              <a:t>파일로 자동 변환 </a:t>
-            </a:r>
-            <a:r>
-              <a:rPr lang="en-US" altLang="ko-KR" sz="1400" dirty="0" smtClean="0"/>
-              <a:t>(</a:t>
-            </a:r>
-            <a:r>
-              <a:rPr lang="ko-KR" altLang="en-US" sz="1400" dirty="0" smtClean="0"/>
-              <a:t>정확한 </a:t>
-            </a:r>
-            <a:r>
-              <a:rPr lang="en-US" altLang="ko-KR" sz="1400" dirty="0" smtClean="0"/>
-              <a:t>1:1 </a:t>
-            </a:r>
-            <a:r>
-              <a:rPr lang="ko-KR" altLang="en-US" sz="1400" dirty="0" err="1" smtClean="0"/>
-              <a:t>맵핑</a:t>
-            </a:r>
-            <a:r>
-              <a:rPr lang="en-US" altLang="ko-KR" sz="1400" dirty="0" smtClean="0"/>
-              <a:t>)</a:t>
-            </a:r>
+              <a:rPr lang="en-US" altLang="ko-KR" dirty="0" smtClean="0"/>
+              <a:t>MS Project</a:t>
+            </a:r>
+            <a:r>
+              <a:rPr lang="ko-KR" altLang="en-US" dirty="0" smtClean="0"/>
+              <a:t>의 </a:t>
+            </a:r>
+            <a:r>
+              <a:rPr lang="en-US" altLang="ko-KR" dirty="0" smtClean="0"/>
+              <a:t>XML </a:t>
+            </a:r>
+            <a:r>
+              <a:rPr lang="ko-KR" altLang="en-US" dirty="0" smtClean="0"/>
+              <a:t>스키마와 동일한 데이터 셋</a:t>
+            </a:r>
+            <a:endParaRPr lang="en-US" altLang="ko-KR" dirty="0" smtClean="0"/>
           </a:p>
           <a:p>
             <a:pPr>
               <a:buFont typeface="Wingdings" pitchFamily="2" charset="2"/>
               <a:buChar char="ü"/>
             </a:pPr>
-            <a:r>
-              <a:rPr lang="ko-KR" altLang="en-US" sz="1400" dirty="0" smtClean="0"/>
-              <a:t>각 컴포넌트 별 </a:t>
-            </a:r>
-            <a:r>
-              <a:rPr lang="en-US" altLang="ko-KR" sz="1400" dirty="0" smtClean="0"/>
-              <a:t>CSS(</a:t>
-            </a:r>
-            <a:r>
-              <a:rPr lang="ko-KR" altLang="en-US" sz="1400" dirty="0" smtClean="0"/>
-              <a:t>스타일</a:t>
-            </a:r>
-            <a:r>
-              <a:rPr lang="en-US" altLang="ko-KR" sz="1400" dirty="0" smtClean="0"/>
-              <a:t>) </a:t>
-            </a:r>
-            <a:r>
-              <a:rPr lang="ko-KR" altLang="en-US" sz="1400" dirty="0" smtClean="0"/>
-              <a:t>적용</a:t>
-            </a:r>
-            <a:endParaRPr lang="en-US" altLang="ko-KR" sz="1400" dirty="0" smtClean="0"/>
-          </a:p>
-          <a:p>
-            <a:pPr>
-              <a:buFont typeface="Wingdings" pitchFamily="2" charset="2"/>
-              <a:buChar char="ü"/>
-            </a:pPr>
-            <a:r>
-              <a:rPr lang="ko-KR" altLang="en-US" sz="1400" dirty="0" smtClean="0"/>
-              <a:t>변환된 </a:t>
-            </a:r>
-            <a:r>
-              <a:rPr lang="en-US" altLang="ko-KR" sz="1400" dirty="0" smtClean="0"/>
-              <a:t>HTML </a:t>
-            </a:r>
-            <a:r>
-              <a:rPr lang="ko-KR" altLang="en-US" sz="1400" dirty="0" smtClean="0"/>
-              <a:t>소스에 추가적인 </a:t>
-            </a:r>
-            <a:r>
-              <a:rPr lang="ko-KR" altLang="en-US" sz="1400" dirty="0" err="1" smtClean="0"/>
-              <a:t>에디팅이</a:t>
-            </a:r>
-            <a:r>
-              <a:rPr lang="ko-KR" altLang="en-US" sz="1400" dirty="0" smtClean="0"/>
-              <a:t> 가능</a:t>
-            </a:r>
-            <a:r>
-              <a:rPr lang="en-US" altLang="ko-KR" sz="1400" dirty="0" smtClean="0"/>
-              <a:t> (HTML </a:t>
-            </a:r>
-            <a:r>
-              <a:rPr lang="ko-KR" altLang="en-US" sz="1400" dirty="0" smtClean="0"/>
-              <a:t>속성</a:t>
-            </a:r>
-            <a:r>
-              <a:rPr lang="en-US" altLang="ko-KR" sz="1400" dirty="0" smtClean="0"/>
-              <a:t>, JavaScript</a:t>
-            </a:r>
-            <a:r>
-              <a:rPr lang="en-US" altLang="ko-KR" dirty="0" smtClean="0"/>
-              <a:t>)</a:t>
-            </a:r>
+            <a:endParaRPr lang="en-US" altLang="ko-KR" dirty="0" smtClean="0"/>
           </a:p>
         </p:txBody>
       </p:sp>
@@ -8638,7 +9268,7 @@
         </p:nvSpPr>
         <p:spPr>
           <a:xfrm>
-            <a:off x="4860032" y="2060848"/>
+            <a:off x="4859476" y="2060848"/>
             <a:ext cx="4104456" cy="1656184"/>
           </a:xfrm>
           <a:prstGeom prst="roundRect">
@@ -8665,12 +9295,8 @@
           <a:p>
             <a:pPr algn="ctr"/>
             <a:r>
-              <a:rPr lang="en-US" altLang="ko-KR" sz="2000" b="1" dirty="0" smtClean="0"/>
-              <a:t>HTML5 </a:t>
-            </a:r>
-            <a:r>
               <a:rPr lang="ko-KR" altLang="en-US" sz="2000" b="1" dirty="0" smtClean="0"/>
-              <a:t>지원</a:t>
+              <a:t>웹 표준을 준수한 관리</a:t>
             </a:r>
             <a:endParaRPr lang="en-US" altLang="ko-KR" sz="2000" b="1" dirty="0" smtClean="0"/>
           </a:p>
@@ -8685,34 +9311,19 @@
             </a:pPr>
             <a:r>
               <a:rPr lang="en-US" altLang="ko-KR" sz="1400" dirty="0" smtClean="0"/>
-              <a:t>Video, Audio, Form, </a:t>
-            </a:r>
-            <a:r>
-              <a:rPr lang="en-US" altLang="ko-KR" sz="1400" dirty="0" err="1" smtClean="0"/>
-              <a:t>Image,Text</a:t>
-            </a:r>
-            <a:r>
-              <a:rPr lang="en-US" altLang="ko-KR" sz="1400" dirty="0" smtClean="0"/>
-              <a:t>, Navigation..</a:t>
-            </a:r>
+              <a:t>HTML5, CSS, JS </a:t>
+            </a:r>
+            <a:r>
+              <a:rPr lang="ko-KR" altLang="en-US" sz="1400" dirty="0" smtClean="0"/>
+              <a:t>이용</a:t>
+            </a:r>
+            <a:endParaRPr lang="en-US" altLang="ko-KR" sz="1400" dirty="0" smtClean="0"/>
           </a:p>
           <a:p>
             <a:pPr>
               <a:buFont typeface="Wingdings" pitchFamily="2" charset="2"/>
               <a:buChar char="ü"/>
             </a:pPr>
-            <a:r>
-              <a:rPr lang="ko-KR" altLang="en-US" sz="1400" dirty="0" smtClean="0"/>
-              <a:t>기존 </a:t>
-            </a:r>
-            <a:r>
-              <a:rPr lang="en-US" altLang="ko-KR" sz="1400" dirty="0" smtClean="0"/>
-              <a:t>HTML </a:t>
-            </a:r>
-            <a:r>
-              <a:rPr lang="ko-KR" altLang="en-US" sz="1400" dirty="0" smtClean="0"/>
-              <a:t>컴포넌트들 지원</a:t>
-            </a:r>
             <a:endParaRPr lang="en-US" altLang="ko-KR" sz="1400" dirty="0" smtClean="0"/>
           </a:p>
           <a:p>
@@ -8720,14 +9331,7 @@
               <a:buFont typeface="Wingdings" pitchFamily="2" charset="2"/>
               <a:buChar char="ü"/>
             </a:pPr>
-            <a:r>
-              <a:rPr lang="en-US" altLang="ko-KR" sz="1400" dirty="0" err="1" smtClean="0"/>
-              <a:t>JQuery</a:t>
-            </a:r>
-            <a:r>
-              <a:rPr lang="en-US" altLang="ko-KR" sz="1400" dirty="0" smtClean="0"/>
-              <a:t>.</a:t>
-            </a:r>
+            <a:endParaRPr lang="en-US" altLang="ko-KR" sz="1400" dirty="0" smtClean="0"/>
           </a:p>
         </p:txBody>
       </p:sp>
@@ -8766,8 +9370,16 @@
           <a:p>
             <a:pPr algn="ctr"/>
             <a:r>
+              <a:rPr lang="ko-KR" altLang="en-US" sz="2000" b="1" dirty="0" err="1" smtClean="0"/>
+              <a:t>클라우드</a:t>
+            </a:r>
+            <a:r>
+              <a:rPr lang="ko-KR" altLang="en-US" sz="2000" b="1" dirty="0"/>
+              <a:t> </a:t>
+            </a:r>
+            <a:r>
               <a:rPr lang="ko-KR" altLang="en-US" sz="2000" b="1" dirty="0" smtClean="0"/>
-              <a:t>데이터 소스 접근</a:t>
+              <a:t>형태로 데이터 저장</a:t>
             </a:r>
             <a:endParaRPr lang="en-US" altLang="ko-KR" sz="2000" b="1" dirty="0" smtClean="0"/>
           </a:p>
@@ -8781,8 +9393,16 @@
               <a:buChar char="ü"/>
             </a:pPr>
             <a:r>
-              <a:rPr lang="en-US" altLang="ko-KR" sz="1400" dirty="0" err="1" smtClean="0"/>
-              <a:t>DataBase</a:t>
+              <a:rPr lang="ko-KR" altLang="en-US" sz="1400" dirty="0" smtClean="0"/>
+              <a:t>프로젝트 별</a:t>
+            </a:r>
+            <a:r>
+              <a:rPr lang="en-US" altLang="ko-KR" sz="1400" dirty="0" smtClean="0"/>
+              <a:t>, </a:t>
+            </a:r>
+            <a:r>
+              <a:rPr lang="ko-KR" altLang="en-US" sz="1400" dirty="0" smtClean="0"/>
+              <a:t>사용자 별로 데이터를 관리</a:t>
             </a:r>
             <a:endParaRPr lang="en-US" altLang="ko-KR" sz="1400" dirty="0" smtClean="0"/>
           </a:p>
@@ -8792,9 +9412,10 @@
               <a:buChar char="ü"/>
             </a:pPr>
             <a:r>
-              <a:rPr lang="en-US" altLang="ko-KR" sz="1400" dirty="0" smtClean="0"/>
-              <a:t>OLAP</a:t>
-            </a:r>
+              <a:rPr lang="ko-KR" altLang="en-US" sz="1400" dirty="0" smtClean="0"/>
+              <a:t>프로젝트에 참여된 사용자의 리스트를 출력</a:t>
+            </a:r>
+            <a:endParaRPr lang="en-US" altLang="ko-KR" sz="1400" dirty="0" smtClean="0"/>
           </a:p>
           <a:p>
             <a:pPr>
@@ -8802,16 +9423,9 @@
               <a:buChar char="ü"/>
             </a:pPr>
             <a:r>
-              <a:rPr lang="en-US" altLang="ko-KR" sz="1400" dirty="0" err="1" smtClean="0"/>
-              <a:t>DataMining</a:t>
-            </a:r>
-            <a:endParaRPr lang="en-US" altLang="ko-KR" sz="1400" dirty="0" smtClean="0"/>
-          </a:p>
-          <a:p>
-            <a:pPr>
-              <a:buFont typeface="Wingdings" pitchFamily="2" charset="2"/>
-              <a:buChar char="ü"/>
-            </a:pPr>
+              <a:rPr lang="ko-KR" altLang="en-US" sz="1400" dirty="0" smtClean="0"/>
+              <a:t>진행중인 프로젝트에 종속된 화면 출력</a:t>
+            </a:r>
             <a:endParaRPr lang="en-US" altLang="ko-KR" sz="1400" dirty="0" smtClean="0"/>
           </a:p>
         </p:txBody>
@@ -9332,7 +9946,31 @@
                   </a:outerShdw>
                 </a:effectLst>
               </a:rPr>
-              <a:t>웹 표준을 준수한 웹 환경 구축</a:t>
+              <a:t>직관적이고 사용자 친화적 </a:t>
+            </a:r>
+            <a:endParaRPr lang="en-US" altLang="ko-KR" sz="2000" b="1" dirty="0" smtClean="0">
+              <a:effectLst>
+                <a:outerShdw blurRad="38100" dist="38100" dir="2700000" algn="tl">
+                  <a:srgbClr val="000000">
+                    <a:alpha val="43137"/>
+                  </a:srgbClr>
+                </a:outerShdw>
+              </a:effectLst>
+            </a:endParaRPr>
+          </a:p>
+          <a:p>
+            <a:pPr algn="ctr"/>
+            <a:r>
+              <a:rPr lang="ko-KR" altLang="en-US" sz="2000" b="1" dirty="0" smtClean="0">
+                <a:effectLst>
+                  <a:outerShdw blurRad="38100" dist="38100" dir="2700000" algn="tl">
+                    <a:srgbClr val="000000">
+                      <a:alpha val="43137"/>
+                    </a:srgbClr>
+                  </a:outerShdw>
+                </a:effectLst>
+              </a:rPr>
+              <a:t>인터페이스</a:t>
             </a:r>
             <a:endParaRPr lang="ko-KR" altLang="en-US" sz="2000" b="1" dirty="0">
               <a:effectLst>
@@ -9393,6 +10031,18 @@
               <a:t>다른 </a:t>
             </a:r>
             <a:r>
+              <a:rPr lang="ko-KR" altLang="en-US" sz="2000" b="1" dirty="0" smtClean="0">
+                <a:effectLst>
+                  <a:outerShdw blurRad="38100" dist="38100" dir="2700000" algn="tl">
+                    <a:srgbClr val="000000">
+                      <a:alpha val="43137"/>
+                    </a:srgbClr>
+                  </a:outerShdw>
+                </a:effectLst>
+              </a:rPr>
+              <a:t>프로젝트 매니지먼트</a:t>
+            </a:r>
+            <a:r>
               <a:rPr lang="en-US" altLang="ko-KR" sz="2000" b="1" dirty="0" smtClean="0">
                 <a:effectLst>
                   <a:outerShdw blurRad="38100" dist="38100" dir="2700000" algn="tl">
@@ -9402,7 +10052,7 @@
                   </a:outerShdw>
                 </a:effectLst>
               </a:rPr>
-              <a:t>HTML5 </a:t>
+              <a:t> </a:t>
             </a:r>
             <a:r>
               <a:rPr lang="ko-KR" altLang="en-US" sz="2000" b="1" dirty="0" smtClean="0">
@@ -9414,20 +10064,20 @@
                   </a:outerShdw>
                 </a:effectLst>
               </a:rPr>
-              <a:t>저작 툴 과의 </a:t>
-            </a:r>
-            <a:endParaRPr lang="en-US" altLang="ko-KR" sz="2000" b="1" dirty="0" smtClean="0">
-              <a:effectLst>
-                <a:outerShdw blurRad="38100" dist="38100" dir="2700000" algn="tl">
-                  <a:srgbClr val="000000">
-                    <a:alpha val="43137"/>
-                  </a:srgbClr>
-                </a:outerShdw>
-              </a:effectLst>
-            </a:endParaRPr>
-          </a:p>
-          <a:p>
-            <a:pPr algn="ctr"/>
+              <a:t> </a:t>
+            </a:r>
+            <a:r>
+              <a:rPr lang="ko-KR" altLang="en-US" sz="2000" b="1" dirty="0" smtClean="0">
+                <a:effectLst>
+                  <a:outerShdw blurRad="38100" dist="38100" dir="2700000" algn="tl">
+                    <a:srgbClr val="000000">
+                      <a:alpha val="43137"/>
+                    </a:srgbClr>
+                  </a:outerShdw>
+                </a:effectLst>
+              </a:rPr>
+              <a:t>툴 과의 </a:t>
+            </a:r>
             <a:r>
               <a:rPr lang="ko-KR" altLang="en-US" sz="2000" b="1" dirty="0" err="1" smtClean="0">
                 <a:effectLst>
@@ -9508,7 +10158,19 @@
                   </a:outerShdw>
                 </a:effectLst>
               </a:rPr>
-              <a:t> 활용</a:t>
+              <a:t> </a:t>
+            </a:r>
+            <a:r>
+              <a:rPr lang="ko-KR" altLang="en-US" sz="2000" b="1" dirty="0" err="1" smtClean="0">
+                <a:effectLst>
+                  <a:outerShdw blurRad="38100" dist="38100" dir="2700000" algn="tl">
+                    <a:srgbClr val="000000">
+                      <a:alpha val="43137"/>
+                    </a:srgbClr>
+                  </a:outerShdw>
+                </a:effectLst>
+              </a:rPr>
+              <a:t>활용성</a:t>
             </a:r>
             <a:endParaRPr lang="ko-KR" altLang="en-US" sz="2000" b="1" dirty="0">
               <a:effectLst>
@@ -9647,8 +10309,8 @@
         </p:nvSpPr>
         <p:spPr>
           <a:xfrm>
-            <a:off x="5093474" y="3068960"/>
-            <a:ext cx="3923928" cy="2016224"/>
+            <a:off x="5097377" y="3159189"/>
+            <a:ext cx="3923928" cy="2195806"/>
           </a:xfrm>
           <a:prstGeom prst="roundRect">
             <a:avLst/>
@@ -9678,13 +10340,29 @@
             </a:pPr>
             <a:r>
               <a:rPr lang="en-US" altLang="ko-KR" dirty="0" smtClean="0"/>
-              <a:t>HTML5 </a:t>
+              <a:t>MS Project</a:t>
+            </a:r>
+            <a:r>
+              <a:rPr lang="en-US" altLang="ko-KR" dirty="0" smtClean="0"/>
+              <a:t> </a:t>
             </a:r>
             <a:r>
               <a:rPr lang="ko-KR" altLang="en-US" dirty="0" smtClean="0"/>
-              <a:t>유료 저작 툴</a:t>
-            </a:r>
-            <a:endParaRPr lang="en-US" altLang="ko-KR" dirty="0" smtClean="0"/>
+              <a:t>유료 툴 </a:t>
+            </a:r>
+            <a:r>
+              <a:rPr lang="en-US" altLang="ko-KR" sz="1200" dirty="0" smtClean="0"/>
+              <a:t>(70% </a:t>
+            </a:r>
+            <a:r>
+              <a:rPr lang="ko-KR" altLang="en-US" sz="1200" dirty="0" smtClean="0"/>
+              <a:t>시장</a:t>
+            </a:r>
+            <a:r>
+              <a:rPr lang="en-US" altLang="ko-KR" sz="1200" dirty="0" smtClean="0"/>
+              <a:t>)</a:t>
+            </a:r>
+            <a:endParaRPr lang="en-US" altLang="ko-KR" sz="1200" dirty="0" smtClean="0"/>
           </a:p>
           <a:p>
             <a:pPr marL="342900" indent="-342900">
@@ -9692,12 +10370,12 @@
               <a:buChar char="ü"/>
             </a:pPr>
             <a:r>
-              <a:rPr lang="ko-KR" altLang="en-US" dirty="0" err="1" smtClean="0"/>
-              <a:t>이클립스</a:t>
+              <a:rPr lang="en-US" altLang="ko-KR" dirty="0" smtClean="0"/>
+              <a:t>Open Project </a:t>
             </a:r>
             <a:r>
               <a:rPr lang="ko-KR" altLang="en-US" dirty="0" smtClean="0"/>
-              <a:t> 진영의 무료 저작 툴</a:t>
+              <a:t>무료 툴</a:t>
             </a:r>
             <a:endParaRPr lang="en-US" altLang="ko-KR" dirty="0" smtClean="0"/>
           </a:p>
@@ -9707,38 +10385,12 @@
               <a:buChar char="ü"/>
             </a:pPr>
             <a:r>
+              <a:rPr lang="ko-KR" altLang="en-US" dirty="0" smtClean="0"/>
+              <a:t>다양한 디바이스에서 통합적 접근 </a:t>
+            </a:r>
+            <a:r>
               <a:rPr lang="en-US" altLang="ko-KR" dirty="0" smtClean="0"/>
-              <a:t>GUI </a:t>
-            </a:r>
-            <a:r>
-              <a:rPr lang="ko-KR" altLang="en-US" dirty="0" smtClean="0"/>
-              <a:t>기반의 직관적 디자인  </a:t>
-            </a:r>
-            <a:r>
-              <a:rPr lang="en-US" altLang="ko-KR" dirty="0" smtClean="0"/>
-              <a:t>(</a:t>
-            </a:r>
-            <a:r>
-              <a:rPr lang="ko-KR" altLang="en-US" dirty="0" smtClean="0"/>
-              <a:t>개발의 </a:t>
-            </a:r>
-            <a:r>
-              <a:rPr lang="ko-KR" altLang="en-US" b="1" u="sng" dirty="0" smtClean="0">
-                <a:solidFill>
-                  <a:schemeClr val="accent3">
-                    <a:lumMod val="50000"/>
-                  </a:schemeClr>
-                </a:solidFill>
-              </a:rPr>
-              <a:t>편리성</a:t>
-            </a:r>
-            <a:r>
-              <a:rPr lang="ko-KR" altLang="en-US" dirty="0" smtClean="0"/>
-              <a:t>이 강조</a:t>
-            </a:r>
-            <a:r>
-              <a:rPr lang="en-US" altLang="ko-KR" dirty="0" smtClean="0"/>
-              <a:t>)</a:t>
+              <a:t>(N-Screen)</a:t>
             </a:r>
           </a:p>
           <a:p>
@@ -9747,20 +10399,12 @@
               <a:buChar char="ü"/>
             </a:pPr>
             <a:r>
+              <a:rPr lang="en-US" altLang="ko-KR" dirty="0" err="1" smtClean="0"/>
+              <a:t>OpenID</a:t>
+            </a:r>
+            <a:r>
               <a:rPr lang="ko-KR" altLang="en-US" dirty="0" smtClean="0"/>
-              <a:t>다양한 데이터 소스 </a:t>
-            </a:r>
-            <a:endParaRPr lang="en-US" altLang="ko-KR" dirty="0" smtClean="0"/>
-          </a:p>
-          <a:p>
-            <a:pPr marL="342900" indent="-342900"/>
-            <a:r>
-              <a:rPr lang="en-US" altLang="ko-KR" dirty="0" smtClean="0"/>
-              <a:t>     </a:t>
-            </a:r>
-            <a:r>
-              <a:rPr lang="ko-KR" altLang="en-US" dirty="0" smtClean="0"/>
-              <a:t>접근 및 출력</a:t>
+              <a:t>를 통한 프로젝트 관리</a:t>
             </a:r>
             <a:endParaRPr lang="en-US" altLang="ko-KR" dirty="0" smtClean="0"/>
           </a:p>
@@ -9774,7 +10418,7 @@
         </p:nvSpPr>
         <p:spPr>
           <a:xfrm>
-            <a:off x="4301386" y="4149080"/>
+            <a:off x="4291059" y="4146031"/>
             <a:ext cx="864096" cy="216024"/>
           </a:xfrm>
           <a:prstGeom prst="rightArrow">
@@ -9874,8 +10518,8 @@
         </p:nvSpPr>
         <p:spPr>
           <a:xfrm>
-            <a:off x="5191883" y="1628800"/>
-            <a:ext cx="3509298" cy="1440160"/>
+            <a:off x="5512007" y="2714263"/>
+            <a:ext cx="3509298" cy="1099778"/>
           </a:xfrm>
           <a:prstGeom prst="wedgeEllipseCallout">
             <a:avLst>
@@ -9916,61 +10560,7 @@
                   </a:outerShdw>
                 </a:effectLst>
               </a:rPr>
-              <a:t>태그타이핑</a:t>
-            </a:r>
-            <a:endParaRPr lang="en-US" altLang="ko-KR" b="1" i="1" u="sng" dirty="0" smtClean="0">
-              <a:effectLst>
-                <a:outerShdw blurRad="38100" dist="38100" dir="2700000" algn="tl">
-                  <a:srgbClr val="000000">
-                    <a:alpha val="43137"/>
-                  </a:srgbClr>
-                </a:outerShdw>
-              </a:effectLst>
-            </a:endParaRPr>
-          </a:p>
-          <a:p>
-            <a:pPr marL="285750" indent="-285750" algn="ctr">
-              <a:buFont typeface="Wingdings" pitchFamily="2" charset="2"/>
-              <a:buChar char="§"/>
-            </a:pPr>
-            <a:r>
-              <a:rPr lang="ko-KR" altLang="en-US" b="1" i="1" u="sng" dirty="0" smtClean="0">
-                <a:effectLst>
-                  <a:outerShdw blurRad="38100" dist="38100" dir="2700000" algn="tl">
-                    <a:srgbClr val="000000">
-                      <a:alpha val="43137"/>
-                    </a:srgbClr>
-                  </a:outerShdw>
-                </a:effectLst>
-              </a:rPr>
-              <a:t>문법요소검사</a:t>
-            </a:r>
-            <a:endParaRPr lang="en-US" altLang="ko-KR" b="1" i="1" u="sng" dirty="0" smtClean="0">
-              <a:effectLst>
-                <a:outerShdw blurRad="38100" dist="38100" dir="2700000" algn="tl">
-                  <a:srgbClr val="000000">
-                    <a:alpha val="43137"/>
-                  </a:srgbClr>
-                </a:outerShdw>
-              </a:effectLst>
-            </a:endParaRPr>
-          </a:p>
-          <a:p>
-            <a:pPr marL="285750" indent="-285750" algn="ctr">
-              <a:buFont typeface="Wingdings" pitchFamily="2" charset="2"/>
-              <a:buChar char="§"/>
-            </a:pPr>
-            <a:r>
-              <a:rPr lang="ko-KR" altLang="en-US" b="1" i="1" u="sng" dirty="0" smtClean="0">
-                <a:effectLst>
-                  <a:outerShdw blurRad="38100" dist="38100" dir="2700000" algn="tl">
-                    <a:srgbClr val="000000">
-                      <a:alpha val="43137"/>
-                    </a:srgbClr>
-                  </a:outerShdw>
-                </a:effectLst>
-              </a:rPr>
-              <a:t>제품 변환</a:t>
+              <a:t>다른 제품과 호환</a:t>
             </a:r>
             <a:r>
               <a:rPr lang="en-US" altLang="ko-KR" b="1" i="1" u="sng" dirty="0" smtClean="0">
@@ -9982,8 +10572,14 @@
                   </a:outerShdw>
                 </a:effectLst>
               </a:rPr>
-              <a:t>(adobe)</a:t>
-            </a:r>
+              <a:t>(MS Project)</a:t>
+            </a:r>
+          </a:p>
+          <a:p>
+            <a:pPr marL="285750" indent="-285750" algn="ctr">
+              <a:buFont typeface="Wingdings" pitchFamily="2" charset="2"/>
+              <a:buChar char="§"/>
+            </a:pPr>
             <a:endParaRPr lang="ko-KR" altLang="en-US" b="1" i="1" u="sng" dirty="0">
               <a:effectLst>
                 <a:outerShdw blurRad="38100" dist="38100" dir="2700000" algn="tl">
@@ -9998,14 +10594,146 @@
       </p:sp>
       <p:sp>
         <p:nvSpPr>
+          <p:cNvPr id="14" name="모서리가 둥근 직사각형 13"/>
+          <p:cNvSpPr/>
+          <p:nvPr/>
+        </p:nvSpPr>
+        <p:spPr>
+          <a:xfrm>
+            <a:off x="5093474" y="2276872"/>
+            <a:ext cx="3923928" cy="1440160"/>
+          </a:xfrm>
+          <a:prstGeom prst="roundRect">
+            <a:avLst/>
+          </a:prstGeom>
+        </p:spPr>
+        <p:style>
+          <a:lnRef idx="2">
+            <a:schemeClr val="accent3"/>
+          </a:lnRef>
+          <a:fillRef idx="1">
+            <a:schemeClr val="lt1"/>
+          </a:fillRef>
+          <a:effectRef idx="0">
+            <a:schemeClr val="accent3"/>
+          </a:effectRef>
+          <a:fontRef idx="minor">
+            <a:schemeClr val="dk1"/>
+          </a:fontRef>
+        </p:style>
+        <p:txBody>
+          <a:bodyPr rtlCol="0" anchor="ctr"/>
+          <a:lstStyle/>
+          <a:p>
+            <a:pPr marL="342900" indent="-342900">
+              <a:buFont typeface="Wingdings" pitchFamily="2" charset="2"/>
+              <a:buChar char="ü"/>
+            </a:pPr>
+            <a:r>
+              <a:rPr lang="en-US" altLang="ko-KR" dirty="0" smtClean="0"/>
+              <a:t>HTML5 Canvas </a:t>
+            </a:r>
+            <a:r>
+              <a:rPr lang="ko-KR" altLang="en-US" dirty="0" smtClean="0"/>
+              <a:t>기반의 </a:t>
+            </a:r>
+            <a:r>
+              <a:rPr lang="ko-KR" altLang="en-US" dirty="0" smtClean="0"/>
+              <a:t>직관적 </a:t>
+            </a:r>
+            <a:r>
+              <a:rPr lang="ko-KR" altLang="en-US" dirty="0" smtClean="0"/>
+              <a:t>관리</a:t>
+            </a:r>
+            <a:r>
+              <a:rPr lang="ko-KR" altLang="en-US" dirty="0" smtClean="0"/>
+              <a:t>  </a:t>
+            </a:r>
+            <a:endParaRPr lang="en-US" altLang="ko-KR" dirty="0" smtClean="0"/>
+          </a:p>
+          <a:p>
+            <a:pPr marL="342900" indent="-342900">
+              <a:buFont typeface="Wingdings" pitchFamily="2" charset="2"/>
+              <a:buChar char="ü"/>
+            </a:pPr>
+            <a:r>
+              <a:rPr lang="en-US" altLang="ko-KR" dirty="0" smtClean="0"/>
+              <a:t>(</a:t>
+            </a:r>
+            <a:r>
+              <a:rPr lang="ko-KR" altLang="en-US" dirty="0" smtClean="0"/>
+              <a:t>관리의 </a:t>
+            </a:r>
+            <a:r>
+              <a:rPr lang="ko-KR" altLang="en-US" b="1" u="sng" dirty="0" smtClean="0">
+                <a:solidFill>
+                  <a:schemeClr val="accent3">
+                    <a:lumMod val="50000"/>
+                  </a:schemeClr>
+                </a:solidFill>
+              </a:rPr>
+              <a:t>편리성</a:t>
+            </a:r>
+            <a:r>
+              <a:rPr lang="ko-KR" altLang="en-US" dirty="0" smtClean="0"/>
+              <a:t>이 강조</a:t>
+            </a:r>
+            <a:r>
+              <a:rPr lang="en-US" altLang="ko-KR" dirty="0" smtClean="0"/>
+              <a:t>)</a:t>
+            </a:r>
+            <a:endParaRPr lang="en-US" altLang="ko-KR" dirty="0" smtClean="0"/>
+          </a:p>
+        </p:txBody>
+      </p:sp>
+      <p:sp>
+        <p:nvSpPr>
+          <p:cNvPr id="15" name="오른쪽 화살표 14"/>
+          <p:cNvSpPr/>
+          <p:nvPr/>
+        </p:nvSpPr>
+        <p:spPr>
+          <a:xfrm>
+            <a:off x="4301386" y="2780928"/>
+            <a:ext cx="864096" cy="216024"/>
+          </a:xfrm>
+          <a:prstGeom prst="rightArrow">
+            <a:avLst/>
+          </a:prstGeom>
+        </p:spPr>
+        <p:style>
+          <a:lnRef idx="2">
+            <a:schemeClr val="accent2"/>
+          </a:lnRef>
+          <a:fillRef idx="1">
+            <a:schemeClr val="lt1"/>
+          </a:fillRef>
+          <a:effectRef idx="0">
+            <a:schemeClr val="accent2"/>
+          </a:effectRef>
+          <a:fontRef idx="minor">
+            <a:schemeClr val="dk1"/>
+          </a:fontRef>
+        </p:style>
+        <p:txBody>
+          <a:bodyPr rtlCol="0" anchor="ctr"/>
+          <a:lstStyle/>
+          <a:p>
+            <a:pPr algn="ctr"/>
+            <a:endParaRPr lang="ko-KR" altLang="en-US"/>
+          </a:p>
+        </p:txBody>
+      </p:sp>
+      <p:sp>
+        <p:nvSpPr>
           <p:cNvPr id="13" name="타원형 설명선 12"/>
           <p:cNvSpPr/>
           <p:nvPr/>
         </p:nvSpPr>
         <p:spPr>
           <a:xfrm>
-            <a:off x="5634702" y="1916832"/>
-            <a:ext cx="3509298" cy="1440160"/>
+            <a:off x="5700449" y="1554768"/>
+            <a:ext cx="2781855" cy="1236330"/>
           </a:xfrm>
           <a:prstGeom prst="wedgeEllipseCallout">
             <a:avLst>
@@ -10037,49 +10765,7 @@
               <a:buChar char="§"/>
             </a:pPr>
             <a:r>
-              <a:rPr lang="ko-KR" altLang="en-US" b="1" i="1" u="sng" dirty="0" smtClean="0">
-                <a:effectLst>
-                  <a:outerShdw blurRad="38100" dist="38100" dir="2700000" algn="tl">
-                    <a:srgbClr val="000000">
-                      <a:alpha val="43137"/>
-                    </a:srgbClr>
-                  </a:outerShdw>
-                </a:effectLst>
-              </a:rPr>
-              <a:t>정해진 밴드형식</a:t>
-            </a:r>
-            <a:endParaRPr lang="en-US" altLang="ko-KR" b="1" i="1" u="sng" dirty="0" smtClean="0">
-              <a:effectLst>
-                <a:outerShdw blurRad="38100" dist="38100" dir="2700000" algn="tl">
-                  <a:srgbClr val="000000">
-                    <a:alpha val="43137"/>
-                  </a:srgbClr>
-                </a:outerShdw>
-              </a:effectLst>
-            </a:endParaRPr>
-          </a:p>
-          <a:p>
-            <a:pPr marL="285750" indent="-285750" algn="ctr">
-              <a:buFont typeface="Wingdings" pitchFamily="2" charset="2"/>
-              <a:buChar char="§"/>
-            </a:pPr>
-            <a:endParaRPr lang="en-US" altLang="ko-KR" b="1" i="1" u="sng" dirty="0">
-              <a:effectLst>
-                <a:outerShdw blurRad="38100" dist="38100" dir="2700000" algn="tl">
-                  <a:srgbClr val="000000">
-                    <a:alpha val="43137"/>
-                  </a:srgbClr>
-                </a:outerShdw>
-              </a:effectLst>
-            </a:endParaRPr>
-          </a:p>
-          <a:p>
-            <a:pPr marL="285750" indent="-285750" algn="ctr">
-              <a:buFont typeface="Wingdings" pitchFamily="2" charset="2"/>
-              <a:buChar char="§"/>
-            </a:pPr>
-            <a:r>
-              <a:rPr lang="ko-KR" altLang="en-US" b="1" i="1" u="sng" dirty="0" smtClean="0">
+              <a:rPr lang="ko-KR" altLang="en-US" sz="1400" b="1" i="1" u="sng" dirty="0">
                 <a:effectLst>
                   <a:outerShdw blurRad="38100" dist="38100" dir="2700000" algn="tl">
                     <a:srgbClr val="000000">
@@ -10090,7 +10776,54 @@
               </a:rPr>
               <a:t>자유도가 높은 </a:t>
             </a:r>
-            <a:endParaRPr lang="en-US" altLang="ko-KR" b="1" i="1" u="sng" dirty="0" smtClean="0">
+            <a:r>
+              <a:rPr lang="en-US" altLang="ko-KR" sz="1400" b="1" i="1" u="sng" dirty="0">
+                <a:effectLst>
+                  <a:outerShdw blurRad="38100" dist="38100" dir="2700000" algn="tl">
+                    <a:srgbClr val="000000">
+                      <a:alpha val="43137"/>
+                    </a:srgbClr>
+                  </a:outerShdw>
+                </a:effectLst>
+              </a:rPr>
+              <a:t> </a:t>
+            </a:r>
+            <a:r>
+              <a:rPr lang="en-US" altLang="ko-KR" sz="1400" b="1" i="1" u="sng" dirty="0" smtClean="0">
+                <a:effectLst>
+                  <a:outerShdw blurRad="38100" dist="38100" dir="2700000" algn="tl">
+                    <a:srgbClr val="000000">
+                      <a:alpha val="43137"/>
+                    </a:srgbClr>
+                  </a:outerShdw>
+                </a:effectLst>
+              </a:rPr>
+              <a:t/>
+            </a:r>
+            <a:br>
+              <a:rPr lang="en-US" altLang="ko-KR" sz="1400" b="1" i="1" u="sng" dirty="0" smtClean="0">
+                <a:effectLst>
+                  <a:outerShdw blurRad="38100" dist="38100" dir="2700000" algn="tl">
+                    <a:srgbClr val="000000">
+                      <a:alpha val="43137"/>
+                    </a:srgbClr>
+                  </a:outerShdw>
+                </a:effectLst>
+              </a:rPr>
+            </a:br>
+            <a:r>
+              <a:rPr lang="ko-KR" altLang="en-US" sz="1400" b="1" i="1" u="sng" dirty="0" smtClean="0">
+                <a:effectLst>
+                  <a:outerShdw blurRad="38100" dist="38100" dir="2700000" algn="tl">
+                    <a:srgbClr val="000000">
+                      <a:alpha val="43137"/>
+                    </a:srgbClr>
+                  </a:outerShdw>
+                </a:effectLst>
+              </a:rPr>
+              <a:t>프로젝트 관리</a:t>
+            </a:r>
+            <a:endParaRPr lang="en-US" altLang="ko-KR" sz="1400" b="1" i="1" u="sng" dirty="0" smtClean="0">
               <a:effectLst>
                 <a:outerShdw blurRad="38100" dist="38100" dir="2700000" algn="tl">
                   <a:srgbClr val="000000">
@@ -10101,9 +10834,12 @@
             </a:endParaRPr>
           </a:p>
           <a:p>
-            <a:pPr algn="ctr"/>
-            <a:r>
-              <a:rPr lang="ko-KR" altLang="en-US" b="1" i="1" u="sng" dirty="0" smtClean="0">
+            <a:pPr marL="285750" indent="-285750" algn="ctr">
+              <a:buFont typeface="Wingdings" pitchFamily="2" charset="2"/>
+              <a:buChar char="§"/>
+            </a:pPr>
+            <a:r>
+              <a:rPr lang="ko-KR" altLang="en-US" sz="1400" b="1" i="1" u="sng" dirty="0" smtClean="0">
                 <a:effectLst>
                   <a:outerShdw blurRad="38100" dist="38100" dir="2700000" algn="tl">
                     <a:srgbClr val="000000">
@@ -10112,9 +10848,9 @@
                   </a:outerShdw>
                 </a:effectLst>
               </a:rPr>
-              <a:t>편집 가능 </a:t>
-            </a:r>
-            <a:endParaRPr lang="ko-KR" altLang="en-US" b="1" i="1" u="sng" dirty="0">
+              <a:t>직관적이고 실시간</a:t>
+            </a:r>
+            <a:endParaRPr lang="en-US" altLang="ko-KR" sz="1400" b="1" i="1" u="sng" dirty="0">
               <a:effectLst>
                 <a:outerShdw blurRad="38100" dist="38100" dir="2700000" algn="tl">
                   <a:srgbClr val="000000">
@@ -10392,7 +11128,7 @@
                             </p:stCondLst>
                             <p:childTnLst>
                               <p:par>
-                                <p:cTn id="19" presetID="5" presetClass="entr" presetSubtype="10" fill="hold" grpId="0" nodeType="clickEffect">
+                                <p:cTn id="19" presetID="42" presetClass="entr" presetSubtype="0" fill="hold" grpId="0" nodeType="clickEffect">
                                   <p:stCondLst>
                                     <p:cond delay="0"/>
                                   </p:stCondLst>
@@ -10405,7 +11141,7 @@
                                           </p:stCondLst>
                                         </p:cTn>
                                         <p:tgtEl>
-                                          <p:spTgt spid="17"/>
+                                          <p:spTgt spid="2"/>
                                         </p:tgtEl>
                                         <p:attrNameLst>
                                           <p:attrName>style.visibility</p:attrName>
@@ -10415,49 +11151,60 @@
                                         <p:strVal val="visible"/>
                                       </p:to>
                                     </p:set>
-                                    <p:animEffect transition="in" filter="checkerboard(across)">
+                                    <p:animEffect transition="in" filter="fade">
                                       <p:cBhvr>
-                                        <p:cTn id="21" dur="500"/>
+                                        <p:cTn id="21" dur="1000"/>
                                         <p:tgtEl>
-                                          <p:spTgt spid="17"/>
+                                          <p:spTgt spid="2"/>
                                         </p:tgtEl>
                                       </p:cBhvr>
                                     </p:animEffect>
-                                  </p:childTnLst>
-                                </p:cTn>
-                              </p:par>
-                              <p:par>
-                                <p:cTn id="22" presetID="5" presetClass="entr" presetSubtype="10" fill="hold" grpId="0" nodeType="withEffect">
-                                  <p:stCondLst>
-                                    <p:cond delay="0"/>
-                                  </p:stCondLst>
-                                  <p:childTnLst>
-                                    <p:set>
+                                    <p:anim calcmode="lin" valueType="num">
                                       <p:cBhvr>
-                                        <p:cTn id="23" dur="1" fill="hold">
-                                          <p:stCondLst>
-                                            <p:cond delay="0"/>
-                                          </p:stCondLst>
-                                        </p:cTn>
+                                        <p:cTn id="22" dur="1000" fill="hold"/>
                                         <p:tgtEl>
-                                          <p:spTgt spid="22"/>
+                                          <p:spTgt spid="2"/>
                                         </p:tgtEl>
                                         <p:attrNameLst>
-                                          <p:attrName>style.visibility</p:attrName>
+                                          <p:attrName>ppt_x</p:attrName>
                                         </p:attrNameLst>
                                       </p:cBhvr>
-                                      <p:to>
-                                        <p:strVal val="visible"/>
-                                      </p:to>
-                                    </p:set>
-                                    <p:animEffect transition="in" filter="checkerboard(across)">
+                                      <p:tavLst>
+                                        <p:tav tm="0">
+                                          <p:val>
+                                            <p:strVal val="#ppt_x"/>
+                                          </p:val>
+                                        </p:tav>
+                                        <p:tav tm="100000">
+                                          <p:val>
+                                            <p:strVal val="#ppt_x"/>
+                                          </p:val>
+                                        </p:tav>
+                                      </p:tavLst>
+                                    </p:anim>
+                                    <p:anim calcmode="lin" valueType="num">
                                       <p:cBhvr>
-                                        <p:cTn id="24" dur="500"/>
+                                        <p:cTn id="23" dur="1000" fill="hold"/>
                                         <p:tgtEl>
-                                          <p:spTgt spid="22"/>
+                                          <p:spTgt spid="2"/>
                                         </p:tgtEl>
+                                        <p:attrNameLst>
+                                          <p:attrName>ppt_y</p:attrName>
+                                        </p:attrNameLst>
                                       </p:cBhvr>
-                                    </p:animEffect>
+                                      <p:tavLst>
+                                        <p:tav tm="0">
+                                          <p:val>
+                                            <p:strVal val="#ppt_y+.1"/>
+                                          </p:val>
+                                        </p:tav>
+                                        <p:tav tm="100000">
+                                          <p:val>
+                                            <p:strVal val="#ppt_y"/>
+                                          </p:val>
+                                        </p:tav>
+                                      </p:tavLst>
+                                    </p:anim>
                                   </p:childTnLst>
                                 </p:cTn>
                               </p:par>
@@ -10468,36 +11215,32 @@
                     </p:cTn>
                   </p:par>
                   <p:par>
-                    <p:cTn id="25" fill="hold">
+                    <p:cTn id="24" fill="hold">
                       <p:stCondLst>
                         <p:cond delay="indefinite"/>
                       </p:stCondLst>
                       <p:childTnLst>
                         <p:par>
-                          <p:cTn id="26" fill="hold">
+                          <p:cTn id="25" fill="hold">
                             <p:stCondLst>
                               <p:cond delay="0"/>
                             </p:stCondLst>
                             <p:childTnLst>
                               <p:par>
-                                <p:cTn id="27" presetID="14" presetClass="entr" presetSubtype="10" fill="hold" nodeType="clickEffect">
+                                <p:cTn id="26" presetID="2" presetClass="entr" presetSubtype="4" fill="hold" grpId="0" nodeType="clickEffect">
                                   <p:stCondLst>
                                     <p:cond delay="0"/>
                                   </p:stCondLst>
                                   <p:childTnLst>
                                     <p:set>
                                       <p:cBhvr>
-                                        <p:cTn id="28" dur="1" fill="hold">
+                                        <p:cTn id="27" dur="1" fill="hold">
                                           <p:stCondLst>
                                             <p:cond delay="0"/>
                                           </p:stCondLst>
                                         </p:cTn>
                                         <p:tgtEl>
-                                          <p:spTgt spid="17">
-                                            <p:txEl>
-                                              <p:pRg st="0" end="0"/>
-                                            </p:txEl>
-                                          </p:spTgt>
+                                          <p:spTgt spid="15"/>
                                         </p:tgtEl>
                                         <p:attrNameLst>
                                           <p:attrName>style.visibility</p:attrName>
@@ -10507,18 +11250,52 @@
                                         <p:strVal val="visible"/>
                                       </p:to>
                                     </p:set>
-                                    <p:animEffect transition="in" filter="randombar(horizontal)">
-                                      <p:cBhvr>
-                                        <p:cTn id="29" dur="500"/>
+                                    <p:anim calcmode="lin" valueType="num">
+                                      <p:cBhvr additive="base">
+                                        <p:cTn id="28" dur="500" fill="hold"/>
                                         <p:tgtEl>
-                                          <p:spTgt spid="17">
-                                            <p:txEl>
-                                              <p:pRg st="0" end="0"/>
-                                            </p:txEl>
-                                          </p:spTgt>
+                                          <p:spTgt spid="15"/>
                                         </p:tgtEl>
+                                        <p:attrNameLst>
+                                          <p:attrName>ppt_x</p:attrName>
+                                        </p:attrNameLst>
                                       </p:cBhvr>
-                                    </p:animEffect>
+                                      <p:tavLst>
+                                        <p:tav tm="0">
+                                          <p:val>
+                                            <p:strVal val="#ppt_x"/>
+                                          </p:val>
+                                        </p:tav>
+                                        <p:tav tm="100000">
+                                          <p:val>
+                                            <p:strVal val="#ppt_x"/>
+                                          </p:val>
+                                        </p:tav>
+                                      </p:tavLst>
+                                    </p:anim>
+                                    <p:anim calcmode="lin" valueType="num">
+                                      <p:cBhvr additive="base">
+                                        <p:cTn id="29" dur="500" fill="hold"/>
+                                        <p:tgtEl>
+                                          <p:spTgt spid="15"/>
+                                        </p:tgtEl>
+                                        <p:attrNameLst>
+                                          <p:attrName>ppt_y</p:attrName>
+                                        </p:attrNameLst>
+                                      </p:cBhvr>
+                                      <p:tavLst>
+                                        <p:tav tm="0">
+                                          <p:val>
+                                            <p:strVal val="1+#ppt_h/2"/>
+                                          </p:val>
+                                        </p:tav>
+                                        <p:tav tm="100000">
+                                          <p:val>
+                                            <p:strVal val="#ppt_y"/>
+                                          </p:val>
+                                        </p:tav>
+                                      </p:tavLst>
+                                    </p:anim>
                                   </p:childTnLst>
                                 </p:cTn>
                               </p:par>
@@ -10541,7 +11318,7 @@
                             </p:stCondLst>
                             <p:childTnLst>
                               <p:par>
-                                <p:cTn id="32" presetID="22" presetClass="entr" presetSubtype="4" fill="hold" grpId="1" nodeType="clickEffect">
+                                <p:cTn id="32" presetID="16" presetClass="entr" presetSubtype="21" fill="hold" grpId="0" nodeType="clickEffect">
                                   <p:stCondLst>
                                     <p:cond delay="0"/>
                                   </p:stCondLst>
@@ -10554,7 +11331,7 @@
                                           </p:stCondLst>
                                         </p:cTn>
                                         <p:tgtEl>
-                                          <p:spTgt spid="5"/>
+                                          <p:spTgt spid="14"/>
                                         </p:tgtEl>
                                         <p:attrNameLst>
                                           <p:attrName>style.visibility</p:attrName>
@@ -10564,11 +11341,11 @@
                                         <p:strVal val="visible"/>
                                       </p:to>
                                     </p:set>
-                                    <p:animEffect transition="in" filter="wipe(down)">
+                                    <p:animEffect transition="in" filter="barn(inVertical)">
                                       <p:cBhvr>
                                         <p:cTn id="34" dur="500"/>
                                         <p:tgtEl>
-                                          <p:spTgt spid="5"/>
+                                          <p:spTgt spid="14"/>
                                         </p:tgtEl>
                                       </p:cBhvr>
                                     </p:animEffect>
@@ -10594,37 +11371,37 @@
                             </p:stCondLst>
                             <p:childTnLst>
                               <p:par>
-                                <p:cTn id="37" presetID="14" presetClass="exit" presetSubtype="10" fill="hold" grpId="2" nodeType="clickEffect">
+                                <p:cTn id="37" presetID="14" presetClass="entr" presetSubtype="10" fill="hold" grpId="0" nodeType="clickEffect">
                                   <p:stCondLst>
                                     <p:cond delay="0"/>
                                   </p:stCondLst>
                                   <p:childTnLst>
-                                    <p:animEffect transition="out" filter="randombar(horizontal)">
-                                      <p:cBhvr>
-                                        <p:cTn id="38" dur="500"/>
-                                        <p:tgtEl>
-                                          <p:spTgt spid="5"/>
-                                        </p:tgtEl>
-                                      </p:cBhvr>
-                                    </p:animEffect>
                                     <p:set>
                                       <p:cBhvr>
-                                        <p:cTn id="39" dur="1" fill="hold">
+                                        <p:cTn id="38" dur="1" fill="hold">
                                           <p:stCondLst>
-                                            <p:cond delay="499"/>
+                                            <p:cond delay="0"/>
                                           </p:stCondLst>
                                         </p:cTn>
                                         <p:tgtEl>
-                                          <p:spTgt spid="5"/>
+                                          <p:spTgt spid="13"/>
                                         </p:tgtEl>
                                         <p:attrNameLst>
                                           <p:attrName>style.visibility</p:attrName>
                                         </p:attrNameLst>
                                       </p:cBhvr>
                                       <p:to>
-                                        <p:strVal val="hidden"/>
+                                        <p:strVal val="visible"/>
                                       </p:to>
                                     </p:set>
+                                    <p:animEffect transition="in" filter="randombar(horizontal)">
+                                      <p:cBhvr>
+                                        <p:cTn id="39" dur="500"/>
+                                        <p:tgtEl>
+                                          <p:spTgt spid="13"/>
+                                        </p:tgtEl>
+                                      </p:cBhvr>
+                                    </p:animEffect>
                                   </p:childTnLst>
                                 </p:cTn>
                               </p:par>
@@ -10647,14 +11424,377 @@
                             </p:stCondLst>
                             <p:childTnLst>
                               <p:par>
-                                <p:cTn id="42" presetID="14" presetClass="entr" presetSubtype="10" fill="hold" nodeType="clickEffect">
+                                <p:cTn id="42" presetID="22" presetClass="exit" presetSubtype="4" fill="hold" grpId="1" nodeType="clickEffect">
+                                  <p:stCondLst>
+                                    <p:cond delay="0"/>
+                                  </p:stCondLst>
+                                  <p:childTnLst>
+                                    <p:animEffect transition="out" filter="wipe(down)">
+                                      <p:cBhvr>
+                                        <p:cTn id="43" dur="500"/>
+                                        <p:tgtEl>
+                                          <p:spTgt spid="15"/>
+                                        </p:tgtEl>
+                                      </p:cBhvr>
+                                    </p:animEffect>
+                                    <p:set>
+                                      <p:cBhvr>
+                                        <p:cTn id="44" dur="1" fill="hold">
+                                          <p:stCondLst>
+                                            <p:cond delay="499"/>
+                                          </p:stCondLst>
+                                        </p:cTn>
+                                        <p:tgtEl>
+                                          <p:spTgt spid="15"/>
+                                        </p:tgtEl>
+                                        <p:attrNameLst>
+                                          <p:attrName>style.visibility</p:attrName>
+                                        </p:attrNameLst>
+                                      </p:cBhvr>
+                                      <p:to>
+                                        <p:strVal val="hidden"/>
+                                      </p:to>
+                                    </p:set>
+                                  </p:childTnLst>
+                                </p:cTn>
+                              </p:par>
+                              <p:par>
+                                <p:cTn id="45" presetID="22" presetClass="exit" presetSubtype="4" fill="hold" grpId="1" nodeType="withEffect">
+                                  <p:stCondLst>
+                                    <p:cond delay="0"/>
+                                  </p:stCondLst>
+                                  <p:childTnLst>
+                                    <p:animEffect transition="out" filter="wipe(down)">
+                                      <p:cBhvr>
+                                        <p:cTn id="46" dur="500"/>
+                                        <p:tgtEl>
+                                          <p:spTgt spid="14"/>
+                                        </p:tgtEl>
+                                      </p:cBhvr>
+                                    </p:animEffect>
+                                    <p:set>
+                                      <p:cBhvr>
+                                        <p:cTn id="47" dur="1" fill="hold">
+                                          <p:stCondLst>
+                                            <p:cond delay="499"/>
+                                          </p:stCondLst>
+                                        </p:cTn>
+                                        <p:tgtEl>
+                                          <p:spTgt spid="14"/>
+                                        </p:tgtEl>
+                                        <p:attrNameLst>
+                                          <p:attrName>style.visibility</p:attrName>
+                                        </p:attrNameLst>
+                                      </p:cBhvr>
+                                      <p:to>
+                                        <p:strVal val="hidden"/>
+                                      </p:to>
+                                    </p:set>
+                                  </p:childTnLst>
+                                </p:cTn>
+                              </p:par>
+                              <p:par>
+                                <p:cTn id="48" presetID="22" presetClass="exit" presetSubtype="4" fill="hold" grpId="1" nodeType="withEffect">
+                                  <p:stCondLst>
+                                    <p:cond delay="0"/>
+                                  </p:stCondLst>
+                                  <p:childTnLst>
+                                    <p:animEffect transition="out" filter="wipe(down)">
+                                      <p:cBhvr>
+                                        <p:cTn id="49" dur="500"/>
+                                        <p:tgtEl>
+                                          <p:spTgt spid="13"/>
+                                        </p:tgtEl>
+                                      </p:cBhvr>
+                                    </p:animEffect>
+                                    <p:set>
+                                      <p:cBhvr>
+                                        <p:cTn id="50" dur="1" fill="hold">
+                                          <p:stCondLst>
+                                            <p:cond delay="499"/>
+                                          </p:stCondLst>
+                                        </p:cTn>
+                                        <p:tgtEl>
+                                          <p:spTgt spid="13"/>
+                                        </p:tgtEl>
+                                        <p:attrNameLst>
+                                          <p:attrName>style.visibility</p:attrName>
+                                        </p:attrNameLst>
+                                      </p:cBhvr>
+                                      <p:to>
+                                        <p:strVal val="hidden"/>
+                                      </p:to>
+                                    </p:set>
+                                  </p:childTnLst>
+                                </p:cTn>
+                              </p:par>
+                            </p:childTnLst>
+                          </p:cTn>
+                        </p:par>
+                      </p:childTnLst>
+                    </p:cTn>
+                  </p:par>
+                  <p:par>
+                    <p:cTn id="51" fill="hold">
+                      <p:stCondLst>
+                        <p:cond delay="indefinite"/>
+                      </p:stCondLst>
+                      <p:childTnLst>
+                        <p:par>
+                          <p:cTn id="52" fill="hold">
+                            <p:stCondLst>
+                              <p:cond delay="0"/>
+                            </p:stCondLst>
+                            <p:childTnLst>
+                              <p:par>
+                                <p:cTn id="53" presetID="16" presetClass="entr" presetSubtype="21" fill="hold" grpId="0" nodeType="clickEffect">
                                   <p:stCondLst>
                                     <p:cond delay="0"/>
                                   </p:stCondLst>
                                   <p:childTnLst>
                                     <p:set>
                                       <p:cBhvr>
-                                        <p:cTn id="43" dur="1" fill="hold">
+                                        <p:cTn id="54" dur="1" fill="hold">
+                                          <p:stCondLst>
+                                            <p:cond delay="0"/>
+                                          </p:stCondLst>
+                                        </p:cTn>
+                                        <p:tgtEl>
+                                          <p:spTgt spid="3"/>
+                                        </p:tgtEl>
+                                        <p:attrNameLst>
+                                          <p:attrName>style.visibility</p:attrName>
+                                        </p:attrNameLst>
+                                      </p:cBhvr>
+                                      <p:to>
+                                        <p:strVal val="visible"/>
+                                      </p:to>
+                                    </p:set>
+                                    <p:animEffect transition="in" filter="barn(inVertical)">
+                                      <p:cBhvr>
+                                        <p:cTn id="55" dur="500"/>
+                                        <p:tgtEl>
+                                          <p:spTgt spid="3"/>
+                                        </p:tgtEl>
+                                      </p:cBhvr>
+                                    </p:animEffect>
+                                  </p:childTnLst>
+                                </p:cTn>
+                              </p:par>
+                            </p:childTnLst>
+                          </p:cTn>
+                        </p:par>
+                      </p:childTnLst>
+                    </p:cTn>
+                  </p:par>
+                  <p:par>
+                    <p:cTn id="56" fill="hold">
+                      <p:stCondLst>
+                        <p:cond delay="indefinite"/>
+                      </p:stCondLst>
+                      <p:childTnLst>
+                        <p:par>
+                          <p:cTn id="57" fill="hold">
+                            <p:stCondLst>
+                              <p:cond delay="0"/>
+                            </p:stCondLst>
+                            <p:childTnLst>
+                              <p:par>
+                                <p:cTn id="58" presetID="2" presetClass="entr" presetSubtype="4" fill="hold" grpId="0" nodeType="clickEffect">
+                                  <p:stCondLst>
+                                    <p:cond delay="0"/>
+                                  </p:stCondLst>
+                                  <p:childTnLst>
+                                    <p:set>
+                                      <p:cBhvr>
+                                        <p:cTn id="59" dur="1" fill="hold">
+                                          <p:stCondLst>
+                                            <p:cond delay="0"/>
+                                          </p:stCondLst>
+                                        </p:cTn>
+                                        <p:tgtEl>
+                                          <p:spTgt spid="22"/>
+                                        </p:tgtEl>
+                                        <p:attrNameLst>
+                                          <p:attrName>style.visibility</p:attrName>
+                                        </p:attrNameLst>
+                                      </p:cBhvr>
+                                      <p:to>
+                                        <p:strVal val="visible"/>
+                                      </p:to>
+                                    </p:set>
+                                    <p:anim calcmode="lin" valueType="num">
+                                      <p:cBhvr additive="base">
+                                        <p:cTn id="60" dur="500" fill="hold"/>
+                                        <p:tgtEl>
+                                          <p:spTgt spid="22"/>
+                                        </p:tgtEl>
+                                        <p:attrNameLst>
+                                          <p:attrName>ppt_x</p:attrName>
+                                        </p:attrNameLst>
+                                      </p:cBhvr>
+                                      <p:tavLst>
+                                        <p:tav tm="0">
+                                          <p:val>
+                                            <p:strVal val="#ppt_x"/>
+                                          </p:val>
+                                        </p:tav>
+                                        <p:tav tm="100000">
+                                          <p:val>
+                                            <p:strVal val="#ppt_x"/>
+                                          </p:val>
+                                        </p:tav>
+                                      </p:tavLst>
+                                    </p:anim>
+                                    <p:anim calcmode="lin" valueType="num">
+                                      <p:cBhvr additive="base">
+                                        <p:cTn id="61" dur="500" fill="hold"/>
+                                        <p:tgtEl>
+                                          <p:spTgt spid="22"/>
+                                        </p:tgtEl>
+                                        <p:attrNameLst>
+                                          <p:attrName>ppt_y</p:attrName>
+                                        </p:attrNameLst>
+                                      </p:cBhvr>
+                                      <p:tavLst>
+                                        <p:tav tm="0">
+                                          <p:val>
+                                            <p:strVal val="1+#ppt_h/2"/>
+                                          </p:val>
+                                        </p:tav>
+                                        <p:tav tm="100000">
+                                          <p:val>
+                                            <p:strVal val="#ppt_y"/>
+                                          </p:val>
+                                        </p:tav>
+                                      </p:tavLst>
+                                    </p:anim>
+                                  </p:childTnLst>
+                                </p:cTn>
+                              </p:par>
+                            </p:childTnLst>
+                          </p:cTn>
+                        </p:par>
+                      </p:childTnLst>
+                    </p:cTn>
+                  </p:par>
+                  <p:par>
+                    <p:cTn id="62" fill="hold">
+                      <p:stCondLst>
+                        <p:cond delay="indefinite"/>
+                      </p:stCondLst>
+                      <p:childTnLst>
+                        <p:par>
+                          <p:cTn id="63" fill="hold">
+                            <p:stCondLst>
+                              <p:cond delay="0"/>
+                            </p:stCondLst>
+                            <p:childTnLst>
+                              <p:par>
+                                <p:cTn id="64" presetID="14" presetClass="entr" presetSubtype="10" fill="hold" grpId="0" nodeType="clickEffect">
+                                  <p:stCondLst>
+                                    <p:cond delay="0"/>
+                                  </p:stCondLst>
+                                  <p:childTnLst>
+                                    <p:set>
+                                      <p:cBhvr>
+                                        <p:cTn id="65" dur="1" fill="hold">
+                                          <p:stCondLst>
+                                            <p:cond delay="0"/>
+                                          </p:stCondLst>
+                                        </p:cTn>
+                                        <p:tgtEl>
+                                          <p:spTgt spid="17"/>
+                                        </p:tgtEl>
+                                        <p:attrNameLst>
+                                          <p:attrName>style.visibility</p:attrName>
+                                        </p:attrNameLst>
+                                      </p:cBhvr>
+                                      <p:to>
+                                        <p:strVal val="visible"/>
+                                      </p:to>
+                                    </p:set>
+                                    <p:animEffect transition="in" filter="randombar(horizontal)">
+                                      <p:cBhvr>
+                                        <p:cTn id="66" dur="500"/>
+                                        <p:tgtEl>
+                                          <p:spTgt spid="17"/>
+                                        </p:tgtEl>
+                                      </p:cBhvr>
+                                    </p:animEffect>
+                                  </p:childTnLst>
+                                </p:cTn>
+                              </p:par>
+                            </p:childTnLst>
+                          </p:cTn>
+                        </p:par>
+                      </p:childTnLst>
+                    </p:cTn>
+                  </p:par>
+                  <p:par>
+                    <p:cTn id="67" fill="hold">
+                      <p:stCondLst>
+                        <p:cond delay="indefinite"/>
+                      </p:stCondLst>
+                      <p:childTnLst>
+                        <p:par>
+                          <p:cTn id="68" fill="hold">
+                            <p:stCondLst>
+                              <p:cond delay="0"/>
+                            </p:stCondLst>
+                            <p:childTnLst>
+                              <p:par>
+                                <p:cTn id="69" presetID="14" presetClass="entr" presetSubtype="10" fill="hold" nodeType="clickEffect">
+                                  <p:stCondLst>
+                                    <p:cond delay="0"/>
+                                  </p:stCondLst>
+                                  <p:childTnLst>
+                                    <p:set>
+                                      <p:cBhvr>
+                                        <p:cTn id="70" dur="1" fill="hold">
+                                          <p:stCondLst>
+                                            <p:cond delay="0"/>
+                                          </p:stCondLst>
+                                        </p:cTn>
+                                        <p:tgtEl>
+                                          <p:spTgt spid="17">
+                                            <p:txEl>
+                                              <p:pRg st="0" end="0"/>
+                                            </p:txEl>
+                                          </p:spTgt>
+                                        </p:tgtEl>
+                                        <p:attrNameLst>
+                                          <p:attrName>style.visibility</p:attrName>
+                                        </p:attrNameLst>
+                                      </p:cBhvr>
+                                      <p:to>
+                                        <p:strVal val="visible"/>
+                                      </p:to>
+                                    </p:set>
+                                    <p:animEffect transition="in" filter="randombar(horizontal)">
+                                      <p:cBhvr>
+                                        <p:cTn id="71" dur="500"/>
+                                        <p:tgtEl>
+                                          <p:spTgt spid="17">
+                                            <p:txEl>
+                                              <p:pRg st="0" end="0"/>
+                                            </p:txEl>
+                                          </p:spTgt>
+                                        </p:tgtEl>
+                                      </p:cBhvr>
+                                    </p:animEffect>
+                                  </p:childTnLst>
+                                </p:cTn>
+                              </p:par>
+                              <p:par>
+                                <p:cTn id="72" presetID="14" presetClass="entr" presetSubtype="10" fill="hold" nodeType="withEffect">
+                                  <p:stCondLst>
+                                    <p:cond delay="0"/>
+                                  </p:stCondLst>
+                                  <p:childTnLst>
+                                    <p:set>
+                                      <p:cBhvr>
+                                        <p:cTn id="73" dur="1" fill="hold">
                                           <p:stCondLst>
                                             <p:cond delay="0"/>
                                           </p:stCondLst>
@@ -10676,7 +11816,7 @@
                                     </p:set>
                                     <p:animEffect transition="in" filter="randombar(horizontal)">
                                       <p:cBhvr>
-                                        <p:cTn id="44" dur="500"/>
+                                        <p:cTn id="74" dur="500"/>
                                         <p:tgtEl>
                                           <p:spTgt spid="17">
                                             <p:txEl>
@@ -10696,32 +11836,32 @@
                     </p:cTn>
                   </p:par>
                   <p:par>
-                    <p:cTn id="45" fill="hold">
+                    <p:cTn id="75" fill="hold">
                       <p:stCondLst>
                         <p:cond delay="indefinite"/>
                       </p:stCondLst>
                       <p:childTnLst>
                         <p:par>
-                          <p:cTn id="46" fill="hold">
+                          <p:cTn id="76" fill="hold">
                             <p:stCondLst>
                               <p:cond delay="0"/>
                             </p:stCondLst>
                             <p:childTnLst>
                               <p:par>
-                                <p:cTn id="47" presetID="22" presetClass="entr" presetSubtype="4" fill="hold" grpId="0" nodeType="clickEffect">
+                                <p:cTn id="77" presetID="14" presetClass="entr" presetSubtype="10" fill="hold" grpId="0" nodeType="clickEffect">
                                   <p:stCondLst>
                                     <p:cond delay="0"/>
                                   </p:stCondLst>
                                   <p:childTnLst>
                                     <p:set>
                                       <p:cBhvr>
-                                        <p:cTn id="48" dur="1" fill="hold">
+                                        <p:cTn id="78" dur="1" fill="hold">
                                           <p:stCondLst>
                                             <p:cond delay="0"/>
                                           </p:stCondLst>
                                         </p:cTn>
                                         <p:tgtEl>
-                                          <p:spTgt spid="13"/>
+                                          <p:spTgt spid="5"/>
                                         </p:tgtEl>
                                         <p:attrNameLst>
                                           <p:attrName>style.visibility</p:attrName>
@@ -10731,11 +11871,11 @@
                                         <p:strVal val="visible"/>
                                       </p:to>
                                     </p:set>
-                                    <p:animEffect transition="in" filter="wipe(down)">
+                                    <p:animEffect transition="in" filter="randombar(horizontal)">
                                       <p:cBhvr>
-                                        <p:cTn id="49" dur="500"/>
+                                        <p:cTn id="79" dur="500"/>
                                         <p:tgtEl>
-                                          <p:spTgt spid="13"/>
+                                          <p:spTgt spid="5"/>
                                         </p:tgtEl>
                                       </p:cBhvr>
                                     </p:animEffect>
@@ -10749,26 +11889,26 @@
                     </p:cTn>
                   </p:par>
                   <p:par>
-                    <p:cTn id="50" fill="hold">
+                    <p:cTn id="80" fill="hold">
                       <p:stCondLst>
                         <p:cond delay="indefinite"/>
                       </p:stCondLst>
                       <p:childTnLst>
                         <p:par>
-                          <p:cTn id="51" fill="hold">
+                          <p:cTn id="81" fill="hold">
                             <p:stCondLst>
                               <p:cond delay="0"/>
                             </p:stCondLst>
                             <p:childTnLst>
                               <p:par>
-                                <p:cTn id="52" presetID="14" presetClass="entr" presetSubtype="10" fill="hold" nodeType="clickEffect">
+                                <p:cTn id="82" presetID="14" presetClass="entr" presetSubtype="10" fill="hold" nodeType="clickEffect">
                                   <p:stCondLst>
                                     <p:cond delay="0"/>
                                   </p:stCondLst>
                                   <p:childTnLst>
                                     <p:set>
                                       <p:cBhvr>
-                                        <p:cTn id="53" dur="1" fill="hold">
+                                        <p:cTn id="83" dur="1" fill="hold">
                                           <p:stCondLst>
                                             <p:cond delay="0"/>
                                           </p:stCondLst>
@@ -10790,7 +11930,7 @@
                                     </p:set>
                                     <p:animEffect transition="in" filter="randombar(horizontal)">
                                       <p:cBhvr>
-                                        <p:cTn id="54" dur="500"/>
+                                        <p:cTn id="84" dur="500"/>
                                         <p:tgtEl>
                                           <p:spTgt spid="17">
                                             <p:txEl>
@@ -10803,33 +11943,15 @@
                                   </p:childTnLst>
                                 </p:cTn>
                               </p:par>
-                            </p:childTnLst>
-                          </p:cTn>
-                        </p:par>
-                      </p:childTnLst>
-                    </p:cTn>
-                  </p:par>
-                  <p:par>
-                    <p:cTn id="55" fill="hold">
-                      <p:stCondLst>
-                        <p:cond delay="indefinite"/>
-                      </p:stCondLst>
-                      <p:childTnLst>
-                        <p:par>
-                          <p:cTn id="56" fill="hold">
-                            <p:stCondLst>
-                              <p:cond delay="0"/>
-                            </p:stCondLst>
-                            <p:childTnLst>
                               <p:par>
-                                <p:cTn id="57" presetID="14" presetClass="entr" presetSubtype="10" fill="hold" nodeType="clickEffect">
+                                <p:cTn id="85" presetID="14" presetClass="entr" presetSubtype="10" fill="hold" nodeType="withEffect">
                                   <p:stCondLst>
                                     <p:cond delay="0"/>
                                   </p:stCondLst>
                                   <p:childTnLst>
                                     <p:set>
                                       <p:cBhvr>
-                                        <p:cTn id="58" dur="1" fill="hold">
+                                        <p:cTn id="86" dur="1" fill="hold">
                                           <p:stCondLst>
                                             <p:cond delay="0"/>
                                           </p:stCondLst>
@@ -10851,7 +11973,7 @@
                                     </p:set>
                                     <p:animEffect transition="in" filter="randombar(horizontal)">
                                       <p:cBhvr>
-                                        <p:cTn id="59" dur="500"/>
+                                        <p:cTn id="87" dur="500"/>
                                         <p:tgtEl>
                                           <p:spTgt spid="17">
                                             <p:txEl>
@@ -10864,25 +11986,39 @@
                                   </p:childTnLst>
                                 </p:cTn>
                               </p:par>
+                            </p:childTnLst>
+                          </p:cTn>
+                        </p:par>
+                      </p:childTnLst>
+                    </p:cTn>
+                  </p:par>
+                  <p:par>
+                    <p:cTn id="88" fill="hold">
+                      <p:stCondLst>
+                        <p:cond delay="indefinite"/>
+                      </p:stCondLst>
+                      <p:childTnLst>
+                        <p:par>
+                          <p:cTn id="89" fill="hold">
+                            <p:stCondLst>
+                              <p:cond delay="0"/>
+                            </p:stCondLst>
+                            <p:childTnLst>
                               <p:par>
-                                <p:cTn id="60" presetID="14" presetClass="entr" presetSubtype="10" fill="hold" nodeType="withEffect">
+                                <p:cTn id="90" presetID="14" presetClass="entr" presetSubtype="10" fill="hold" grpId="0" nodeType="clickEffect">
                                   <p:stCondLst>
                                     <p:cond delay="0"/>
                                   </p:stCondLst>
                                   <p:childTnLst>
                                     <p:set>
                                       <p:cBhvr>
-                                        <p:cTn id="61" dur="1" fill="hold">
+                                        <p:cTn id="91" dur="1" fill="hold">
                                           <p:stCondLst>
                                             <p:cond delay="0"/>
                                           </p:stCondLst>
                                         </p:cTn>
                                         <p:tgtEl>
-                                          <p:spTgt spid="17">
-                                            <p:txEl>
-                                              <p:pRg st="4" end="4"/>
-                                            </p:txEl>
-                                          </p:spTgt>
+                                          <p:spTgt spid="4"/>
                                         </p:tgtEl>
                                         <p:attrNameLst>
                                           <p:attrName>style.visibility</p:attrName>
@@ -10894,13 +12030,9 @@
                                     </p:set>
                                     <p:animEffect transition="in" filter="randombar(horizontal)">
                                       <p:cBhvr>
-                                        <p:cTn id="62" dur="500"/>
+                                        <p:cTn id="92" dur="500"/>
                                         <p:tgtEl>
-                                          <p:spTgt spid="17">
-                                            <p:txEl>
-                                              <p:pRg st="4" end="4"/>
-                                            </p:txEl>
-                                          </p:spTgt>
+                                          <p:spTgt spid="4"/>
                                         </p:tgtEl>
                                       </p:cBhvr>
                                     </p:animEffect>
@@ -10935,11 +12067,18 @@
       </p:par>
     </p:tnLst>
     <p:bldLst>
+      <p:bldP spid="2" grpId="0" animBg="1"/>
+      <p:bldP spid="3" grpId="0" animBg="1"/>
+      <p:bldP spid="4" grpId="0" animBg="1"/>
       <p:bldP spid="17" grpId="0" animBg="1"/>
       <p:bldP spid="22" grpId="0" animBg="1"/>
-      <p:bldP spid="5" grpId="1" animBg="1"/>
-      <p:bldP spid="5" grpId="2" animBg="1"/>
+      <p:bldP spid="5" grpId="0" animBg="1"/>
+      <p:bldP spid="14" grpId="0" animBg="1"/>
+      <p:bldP spid="14" grpId="1" animBg="1"/>
+      <p:bldP spid="15" grpId="0" animBg="1"/>
+      <p:bldP spid="15" grpId="1" animBg="1"/>
       <p:bldP spid="13" grpId="0" animBg="1"/>
+      <p:bldP spid="13" grpId="1" animBg="1"/>
     </p:bldLst>
   </p:timing>
 </p:sld>
